--- a/assets/SUBDEFENDER.pptx
+++ b/assets/SUBDEFENDER.pptx
@@ -248,7 +248,7 @@
   </p:defaultTextStyle>
   <p:extLst>
     <p:ext uri="http://customooxmlschemas.google.com/">
-      <go:slidesCustomData xmlns:go="http://customooxmlschemas.google.com/" r:id="rId11" roundtripDataSignature="AMtx7mgVjJuYziP3dRTxwVklN1565RsPfw=="/>
+      <go:slidesCustomData xmlns:go="http://customooxmlschemas.google.com/" r:id="rId11" roundtripDataSignature="AMtx7mj0C8pLis453vq23qxeSBqOaPHlzA=="/>
     </p:ext>
   </p:extLst>
 </p:presentation>
@@ -1741,7 +1741,7 @@
   <p:cSld>
     <p:spTree>
       <p:nvGrpSpPr>
-        <p:cNvPr id="335" name="Shape 335"/>
+        <p:cNvPr id="338" name="Shape 338"/>
         <p:cNvGrpSpPr/>
         <p:nvPr/>
       </p:nvGrpSpPr>
@@ -1755,304 +1755,7 @@
       </p:grpSpPr>
       <p:sp>
         <p:nvSpPr>
-          <p:cNvPr id="336" name="Google Shape;336;p3:notes"/>
-          <p:cNvSpPr txBox="1"/>
-          <p:nvPr>
-            <p:ph idx="1" type="body"/>
-          </p:nvPr>
-        </p:nvSpPr>
-        <p:spPr>
-          <a:xfrm>
-            <a:off x="685800" y="4400550"/>
-            <a:ext cx="5486400" cy="3600450"/>
-          </a:xfrm>
-          <a:prstGeom prst="rect">
-            <a:avLst/>
-          </a:prstGeom>
-        </p:spPr>
-        <p:txBody>
-          <a:bodyPr anchorCtr="0" anchor="t" bIns="45700" lIns="91425" spcFirstLastPara="1" rIns="91425" wrap="square" tIns="45700">
-            <a:noAutofit/>
-          </a:bodyPr>
-          <a:lstStyle/>
-          <a:p>
-            <a:pPr indent="0" lvl="0" marL="0" rtl="0" algn="l">
-              <a:spcBef>
-                <a:spcPts val="0"/>
-              </a:spcBef>
-              <a:spcAft>
-                <a:spcPts val="0"/>
-              </a:spcAft>
-              <a:buNone/>
-            </a:pPr>
-            <a:r>
-              <a:t/>
-            </a:r>
-            <a:endParaRPr/>
-          </a:p>
-        </p:txBody>
-      </p:sp>
-      <p:sp>
-        <p:nvSpPr>
-          <p:cNvPr id="337" name="Google Shape;337;p3:notes"/>
-          <p:cNvSpPr/>
-          <p:nvPr>
-            <p:ph idx="2" type="sldImg"/>
-          </p:nvPr>
-        </p:nvSpPr>
-        <p:spPr>
-          <a:xfrm>
-            <a:off x="685800" y="1143000"/>
-            <a:ext cx="5486400" cy="3086100"/>
-          </a:xfrm>
-          <a:custGeom>
-            <a:rect b="b" l="l" r="r" t="t"/>
-            <a:pathLst>
-              <a:path extrusionOk="0" h="120000" w="120000">
-                <a:moveTo>
-                  <a:pt x="0" y="0"/>
-                </a:moveTo>
-                <a:lnTo>
-                  <a:pt x="120000" y="0"/>
-                </a:lnTo>
-                <a:lnTo>
-                  <a:pt x="120000" y="120000"/>
-                </a:lnTo>
-                <a:lnTo>
-                  <a:pt x="0" y="120000"/>
-                </a:lnTo>
-                <a:close/>
-              </a:path>
-            </a:pathLst>
-          </a:custGeom>
-        </p:spPr>
-      </p:sp>
-    </p:spTree>
-  </p:cSld>
-  <p:clrMapOvr>
-    <a:masterClrMapping/>
-  </p:clrMapOvr>
-</p:notes>
-</file>
-
-<file path=ppt/notesSlides/notesSlide4.xml><?xml version="1.0" encoding="utf-8"?>
-<p:notes xmlns:a="http://schemas.openxmlformats.org/drawingml/2006/main" xmlns:r="http://schemas.openxmlformats.org/officeDocument/2006/relationships" xmlns:mc="http://schemas.openxmlformats.org/markup-compatibility/2006" xmlns:mv="urn:schemas-microsoft-com:mac:vml" xmlns:p="http://schemas.openxmlformats.org/presentationml/2006/main" xmlns:c="http://schemas.openxmlformats.org/drawingml/2006/chart" xmlns:dgm="http://schemas.openxmlformats.org/drawingml/2006/diagram" xmlns:o="urn:schemas-microsoft-com:office:office" xmlns:v="urn:schemas-microsoft-com:vml" xmlns:pvml="urn:schemas-microsoft-com:office:powerpoint" xmlns:com="http://schemas.openxmlformats.org/drawingml/2006/compatibility" xmlns:p14="http://schemas.microsoft.com/office/powerpoint/2010/main" xmlns:p15="http://schemas.microsoft.com/office/powerpoint/2012/main" xmlns:ahyp="http://schemas.microsoft.com/office/drawing/2018/hyperlinkcolor" showMasterPhAnim="0" showMasterSp="0">
-  <p:cSld>
-    <p:spTree>
-      <p:nvGrpSpPr>
-        <p:cNvPr id="341" name="Shape 341"/>
-        <p:cNvGrpSpPr/>
-        <p:nvPr/>
-      </p:nvGrpSpPr>
-      <p:grpSpPr>
-        <a:xfrm>
-          <a:off x="0" y="0"/>
-          <a:ext cx="0" cy="0"/>
-          <a:chOff x="0" y="0"/>
-          <a:chExt cx="0" cy="0"/>
-        </a:xfrm>
-      </p:grpSpPr>
-      <p:sp>
-        <p:nvSpPr>
-          <p:cNvPr id="342" name="Google Shape;342;p4:notes"/>
-          <p:cNvSpPr txBox="1"/>
-          <p:nvPr>
-            <p:ph idx="1" type="body"/>
-          </p:nvPr>
-        </p:nvSpPr>
-        <p:spPr>
-          <a:xfrm>
-            <a:off x="685800" y="4400550"/>
-            <a:ext cx="5486400" cy="3600450"/>
-          </a:xfrm>
-          <a:prstGeom prst="rect">
-            <a:avLst/>
-          </a:prstGeom>
-        </p:spPr>
-        <p:txBody>
-          <a:bodyPr anchorCtr="0" anchor="t" bIns="45700" lIns="91425" spcFirstLastPara="1" rIns="91425" wrap="square" tIns="45700">
-            <a:noAutofit/>
-          </a:bodyPr>
-          <a:lstStyle/>
-          <a:p>
-            <a:pPr indent="0" lvl="0" marL="0" rtl="0" algn="l">
-              <a:spcBef>
-                <a:spcPts val="0"/>
-              </a:spcBef>
-              <a:spcAft>
-                <a:spcPts val="0"/>
-              </a:spcAft>
-              <a:buNone/>
-            </a:pPr>
-            <a:r>
-              <a:t/>
-            </a:r>
-            <a:endParaRPr/>
-          </a:p>
-        </p:txBody>
-      </p:sp>
-      <p:sp>
-        <p:nvSpPr>
-          <p:cNvPr id="343" name="Google Shape;343;p4:notes"/>
-          <p:cNvSpPr/>
-          <p:nvPr>
-            <p:ph idx="2" type="sldImg"/>
-          </p:nvPr>
-        </p:nvSpPr>
-        <p:spPr>
-          <a:xfrm>
-            <a:off x="685800" y="1143000"/>
-            <a:ext cx="5486400" cy="3086100"/>
-          </a:xfrm>
-          <a:custGeom>
-            <a:rect b="b" l="l" r="r" t="t"/>
-            <a:pathLst>
-              <a:path extrusionOk="0" h="120000" w="120000">
-                <a:moveTo>
-                  <a:pt x="0" y="0"/>
-                </a:moveTo>
-                <a:lnTo>
-                  <a:pt x="120000" y="0"/>
-                </a:lnTo>
-                <a:lnTo>
-                  <a:pt x="120000" y="120000"/>
-                </a:lnTo>
-                <a:lnTo>
-                  <a:pt x="0" y="120000"/>
-                </a:lnTo>
-                <a:close/>
-              </a:path>
-            </a:pathLst>
-          </a:custGeom>
-        </p:spPr>
-      </p:sp>
-    </p:spTree>
-  </p:cSld>
-  <p:clrMapOvr>
-    <a:masterClrMapping/>
-  </p:clrMapOvr>
-</p:notes>
-</file>
-
-<file path=ppt/notesSlides/notesSlide5.xml><?xml version="1.0" encoding="utf-8"?>
-<p:notes xmlns:a="http://schemas.openxmlformats.org/drawingml/2006/main" xmlns:r="http://schemas.openxmlformats.org/officeDocument/2006/relationships" xmlns:mc="http://schemas.openxmlformats.org/markup-compatibility/2006" xmlns:mv="urn:schemas-microsoft-com:mac:vml" xmlns:p="http://schemas.openxmlformats.org/presentationml/2006/main" xmlns:c="http://schemas.openxmlformats.org/drawingml/2006/chart" xmlns:dgm="http://schemas.openxmlformats.org/drawingml/2006/diagram" xmlns:o="urn:schemas-microsoft-com:office:office" xmlns:v="urn:schemas-microsoft-com:vml" xmlns:pvml="urn:schemas-microsoft-com:office:powerpoint" xmlns:com="http://schemas.openxmlformats.org/drawingml/2006/compatibility" xmlns:p14="http://schemas.microsoft.com/office/powerpoint/2010/main" xmlns:p15="http://schemas.microsoft.com/office/powerpoint/2012/main" xmlns:ahyp="http://schemas.microsoft.com/office/drawing/2018/hyperlinkcolor" showMasterPhAnim="0" showMasterSp="0">
-  <p:cSld>
-    <p:spTree>
-      <p:nvGrpSpPr>
-        <p:cNvPr id="347" name="Shape 347"/>
-        <p:cNvGrpSpPr/>
-        <p:nvPr/>
-      </p:nvGrpSpPr>
-      <p:grpSpPr>
-        <a:xfrm>
-          <a:off x="0" y="0"/>
-          <a:ext cx="0" cy="0"/>
-          <a:chOff x="0" y="0"/>
-          <a:chExt cx="0" cy="0"/>
-        </a:xfrm>
-      </p:grpSpPr>
-      <p:sp>
-        <p:nvSpPr>
-          <p:cNvPr id="348" name="Google Shape;348;p5:notes"/>
-          <p:cNvSpPr txBox="1"/>
-          <p:nvPr>
-            <p:ph idx="1" type="body"/>
-          </p:nvPr>
-        </p:nvSpPr>
-        <p:spPr>
-          <a:xfrm>
-            <a:off x="685800" y="4400550"/>
-            <a:ext cx="5486400" cy="3600450"/>
-          </a:xfrm>
-          <a:prstGeom prst="rect">
-            <a:avLst/>
-          </a:prstGeom>
-        </p:spPr>
-        <p:txBody>
-          <a:bodyPr anchorCtr="0" anchor="t" bIns="45700" lIns="91425" spcFirstLastPara="1" rIns="91425" wrap="square" tIns="45700">
-            <a:noAutofit/>
-          </a:bodyPr>
-          <a:lstStyle/>
-          <a:p>
-            <a:pPr indent="0" lvl="0" marL="0" rtl="0" algn="l">
-              <a:spcBef>
-                <a:spcPts val="0"/>
-              </a:spcBef>
-              <a:spcAft>
-                <a:spcPts val="0"/>
-              </a:spcAft>
-              <a:buNone/>
-            </a:pPr>
-            <a:r>
-              <a:t/>
-            </a:r>
-            <a:endParaRPr/>
-          </a:p>
-        </p:txBody>
-      </p:sp>
-      <p:sp>
-        <p:nvSpPr>
-          <p:cNvPr id="349" name="Google Shape;349;p5:notes"/>
-          <p:cNvSpPr/>
-          <p:nvPr>
-            <p:ph idx="2" type="sldImg"/>
-          </p:nvPr>
-        </p:nvSpPr>
-        <p:spPr>
-          <a:xfrm>
-            <a:off x="685800" y="1143000"/>
-            <a:ext cx="5486400" cy="3086100"/>
-          </a:xfrm>
-          <a:custGeom>
-            <a:rect b="b" l="l" r="r" t="t"/>
-            <a:pathLst>
-              <a:path extrusionOk="0" h="120000" w="120000">
-                <a:moveTo>
-                  <a:pt x="0" y="0"/>
-                </a:moveTo>
-                <a:lnTo>
-                  <a:pt x="120000" y="0"/>
-                </a:lnTo>
-                <a:lnTo>
-                  <a:pt x="120000" y="120000"/>
-                </a:lnTo>
-                <a:lnTo>
-                  <a:pt x="0" y="120000"/>
-                </a:lnTo>
-                <a:close/>
-              </a:path>
-            </a:pathLst>
-          </a:custGeom>
-        </p:spPr>
-      </p:sp>
-    </p:spTree>
-  </p:cSld>
-  <p:clrMapOvr>
-    <a:masterClrMapping/>
-  </p:clrMapOvr>
-</p:notes>
-</file>
-
-<file path=ppt/notesSlides/notesSlide6.xml><?xml version="1.0" encoding="utf-8"?>
-<p:notes xmlns:a="http://schemas.openxmlformats.org/drawingml/2006/main" xmlns:r="http://schemas.openxmlformats.org/officeDocument/2006/relationships" xmlns:mc="http://schemas.openxmlformats.org/markup-compatibility/2006" xmlns:mv="urn:schemas-microsoft-com:mac:vml" xmlns:p="http://schemas.openxmlformats.org/presentationml/2006/main" xmlns:c="http://schemas.openxmlformats.org/drawingml/2006/chart" xmlns:dgm="http://schemas.openxmlformats.org/drawingml/2006/diagram" xmlns:o="urn:schemas-microsoft-com:office:office" xmlns:v="urn:schemas-microsoft-com:vml" xmlns:pvml="urn:schemas-microsoft-com:office:powerpoint" xmlns:com="http://schemas.openxmlformats.org/drawingml/2006/compatibility" xmlns:p14="http://schemas.microsoft.com/office/powerpoint/2010/main" xmlns:p15="http://schemas.microsoft.com/office/powerpoint/2012/main" xmlns:ahyp="http://schemas.microsoft.com/office/drawing/2018/hyperlinkcolor" showMasterPhAnim="0" showMasterSp="0">
-  <p:cSld>
-    <p:spTree>
-      <p:nvGrpSpPr>
-        <p:cNvPr id="353" name="Shape 353"/>
-        <p:cNvGrpSpPr/>
-        <p:nvPr/>
-      </p:nvGrpSpPr>
-      <p:grpSpPr>
-        <a:xfrm>
-          <a:off x="0" y="0"/>
-          <a:ext cx="0" cy="0"/>
-          <a:chOff x="0" y="0"/>
-          <a:chExt cx="0" cy="0"/>
-        </a:xfrm>
-      </p:grpSpPr>
-      <p:sp>
-        <p:nvSpPr>
-          <p:cNvPr id="354" name="Google Shape;354;gdd003d618d_1_0:notes"/>
+          <p:cNvPr id="339" name="Google Shape;339;ge28d6856fd_0_6:notes"/>
           <p:cNvSpPr/>
           <p:nvPr>
             <p:ph idx="2" type="sldImg"/>
@@ -2087,7 +1790,7 @@
       </p:sp>
       <p:sp>
         <p:nvSpPr>
-          <p:cNvPr id="355" name="Google Shape;355;gdd003d618d_1_0:notes"/>
+          <p:cNvPr id="340" name="Google Shape;340;ge28d6856fd_0_6:notes"/>
           <p:cNvSpPr txBox="1"/>
           <p:nvPr>
             <p:ph idx="1" type="body"/>
@@ -2126,7 +1829,436 @@
       </p:sp>
       <p:sp>
         <p:nvSpPr>
-          <p:cNvPr id="356" name="Google Shape;356;gdd003d618d_1_0:notes"/>
+          <p:cNvPr id="341" name="Google Shape;341;ge28d6856fd_0_6:notes"/>
+          <p:cNvSpPr txBox="1"/>
+          <p:nvPr>
+            <p:ph idx="12" type="sldNum"/>
+          </p:nvPr>
+        </p:nvSpPr>
+        <p:spPr>
+          <a:xfrm>
+            <a:off x="3884613" y="8685213"/>
+            <a:ext cx="2971800" cy="458700"/>
+          </a:xfrm>
+          <a:prstGeom prst="rect">
+            <a:avLst/>
+          </a:prstGeom>
+        </p:spPr>
+        <p:txBody>
+          <a:bodyPr anchorCtr="0" anchor="b" bIns="45700" lIns="91425" spcFirstLastPara="1" rIns="91425" wrap="square" tIns="45700">
+            <a:noAutofit/>
+          </a:bodyPr>
+          <a:lstStyle/>
+          <a:p>
+            <a:pPr indent="0" lvl="0" marL="0" rtl="0" algn="r">
+              <a:spcBef>
+                <a:spcPts val="0"/>
+              </a:spcBef>
+              <a:spcAft>
+                <a:spcPts val="0"/>
+              </a:spcAft>
+              <a:buClr>
+                <a:srgbClr val="000000"/>
+              </a:buClr>
+              <a:buFont typeface="Arial"/>
+              <a:buNone/>
+            </a:pPr>
+            <a:fld id="{00000000-1234-1234-1234-123412341234}" type="slidenum">
+              <a:rPr lang="pt-BR"/>
+              <a:t>‹#›</a:t>
+            </a:fld>
+            <a:endParaRPr/>
+          </a:p>
+        </p:txBody>
+      </p:sp>
+    </p:spTree>
+  </p:cSld>
+  <p:clrMapOvr>
+    <a:masterClrMapping/>
+  </p:clrMapOvr>
+</p:notes>
+</file>
+
+<file path=ppt/notesSlides/notesSlide4.xml><?xml version="1.0" encoding="utf-8"?>
+<p:notes xmlns:a="http://schemas.openxmlformats.org/drawingml/2006/main" xmlns:r="http://schemas.openxmlformats.org/officeDocument/2006/relationships" xmlns:mc="http://schemas.openxmlformats.org/markup-compatibility/2006" xmlns:mv="urn:schemas-microsoft-com:mac:vml" xmlns:p="http://schemas.openxmlformats.org/presentationml/2006/main" xmlns:c="http://schemas.openxmlformats.org/drawingml/2006/chart" xmlns:dgm="http://schemas.openxmlformats.org/drawingml/2006/diagram" xmlns:o="urn:schemas-microsoft-com:office:office" xmlns:v="urn:schemas-microsoft-com:vml" xmlns:pvml="urn:schemas-microsoft-com:office:powerpoint" xmlns:com="http://schemas.openxmlformats.org/drawingml/2006/compatibility" xmlns:p14="http://schemas.microsoft.com/office/powerpoint/2010/main" xmlns:p15="http://schemas.microsoft.com/office/powerpoint/2012/main" xmlns:ahyp="http://schemas.microsoft.com/office/drawing/2018/hyperlinkcolor" showMasterPhAnim="0" showMasterSp="0">
+  <p:cSld>
+    <p:spTree>
+      <p:nvGrpSpPr>
+        <p:cNvPr id="346" name="Shape 346"/>
+        <p:cNvGrpSpPr/>
+        <p:nvPr/>
+      </p:nvGrpSpPr>
+      <p:grpSpPr>
+        <a:xfrm>
+          <a:off x="0" y="0"/>
+          <a:ext cx="0" cy="0"/>
+          <a:chOff x="0" y="0"/>
+          <a:chExt cx="0" cy="0"/>
+        </a:xfrm>
+      </p:grpSpPr>
+      <p:sp>
+        <p:nvSpPr>
+          <p:cNvPr id="347" name="Google Shape;347;ge264361766_0_5:notes"/>
+          <p:cNvSpPr/>
+          <p:nvPr>
+            <p:ph idx="2" type="sldImg"/>
+          </p:nvPr>
+        </p:nvSpPr>
+        <p:spPr>
+          <a:xfrm>
+            <a:off x="685800" y="1143000"/>
+            <a:ext cx="5486400" cy="3086100"/>
+          </a:xfrm>
+          <a:custGeom>
+            <a:rect b="b" l="l" r="r" t="t"/>
+            <a:pathLst>
+              <a:path extrusionOk="0" h="120000" w="120000">
+                <a:moveTo>
+                  <a:pt x="0" y="0"/>
+                </a:moveTo>
+                <a:lnTo>
+                  <a:pt x="120000" y="0"/>
+                </a:lnTo>
+                <a:lnTo>
+                  <a:pt x="120000" y="120000"/>
+                </a:lnTo>
+                <a:lnTo>
+                  <a:pt x="0" y="120000"/>
+                </a:lnTo>
+                <a:close/>
+              </a:path>
+            </a:pathLst>
+          </a:custGeom>
+        </p:spPr>
+      </p:sp>
+      <p:sp>
+        <p:nvSpPr>
+          <p:cNvPr id="348" name="Google Shape;348;ge264361766_0_5:notes"/>
+          <p:cNvSpPr txBox="1"/>
+          <p:nvPr>
+            <p:ph idx="1" type="body"/>
+          </p:nvPr>
+        </p:nvSpPr>
+        <p:spPr>
+          <a:xfrm>
+            <a:off x="685800" y="4400550"/>
+            <a:ext cx="5486400" cy="3600600"/>
+          </a:xfrm>
+          <a:prstGeom prst="rect">
+            <a:avLst/>
+          </a:prstGeom>
+        </p:spPr>
+        <p:txBody>
+          <a:bodyPr anchorCtr="0" anchor="t" bIns="45700" lIns="91425" spcFirstLastPara="1" rIns="91425" wrap="square" tIns="45700">
+            <a:noAutofit/>
+          </a:bodyPr>
+          <a:lstStyle/>
+          <a:p>
+            <a:pPr indent="0" lvl="0" marL="0" rtl="0" algn="l">
+              <a:spcBef>
+                <a:spcPts val="0"/>
+              </a:spcBef>
+              <a:spcAft>
+                <a:spcPts val="0"/>
+              </a:spcAft>
+              <a:buNone/>
+            </a:pPr>
+            <a:r>
+              <a:t/>
+            </a:r>
+            <a:endParaRPr/>
+          </a:p>
+        </p:txBody>
+      </p:sp>
+      <p:sp>
+        <p:nvSpPr>
+          <p:cNvPr id="349" name="Google Shape;349;ge264361766_0_5:notes"/>
+          <p:cNvSpPr txBox="1"/>
+          <p:nvPr>
+            <p:ph idx="12" type="sldNum"/>
+          </p:nvPr>
+        </p:nvSpPr>
+        <p:spPr>
+          <a:xfrm>
+            <a:off x="3884613" y="8685213"/>
+            <a:ext cx="2971800" cy="458700"/>
+          </a:xfrm>
+          <a:prstGeom prst="rect">
+            <a:avLst/>
+          </a:prstGeom>
+        </p:spPr>
+        <p:txBody>
+          <a:bodyPr anchorCtr="0" anchor="b" bIns="45700" lIns="91425" spcFirstLastPara="1" rIns="91425" wrap="square" tIns="45700">
+            <a:noAutofit/>
+          </a:bodyPr>
+          <a:lstStyle/>
+          <a:p>
+            <a:pPr indent="0" lvl="0" marL="0" rtl="0" algn="r">
+              <a:spcBef>
+                <a:spcPts val="0"/>
+              </a:spcBef>
+              <a:spcAft>
+                <a:spcPts val="0"/>
+              </a:spcAft>
+              <a:buClr>
+                <a:srgbClr val="000000"/>
+              </a:buClr>
+              <a:buFont typeface="Arial"/>
+              <a:buNone/>
+            </a:pPr>
+            <a:fld id="{00000000-1234-1234-1234-123412341234}" type="slidenum">
+              <a:rPr lang="pt-BR"/>
+              <a:t>‹#›</a:t>
+            </a:fld>
+            <a:endParaRPr/>
+          </a:p>
+        </p:txBody>
+      </p:sp>
+    </p:spTree>
+  </p:cSld>
+  <p:clrMapOvr>
+    <a:masterClrMapping/>
+  </p:clrMapOvr>
+</p:notes>
+</file>
+
+<file path=ppt/notesSlides/notesSlide5.xml><?xml version="1.0" encoding="utf-8"?>
+<p:notes xmlns:a="http://schemas.openxmlformats.org/drawingml/2006/main" xmlns:r="http://schemas.openxmlformats.org/officeDocument/2006/relationships" xmlns:mc="http://schemas.openxmlformats.org/markup-compatibility/2006" xmlns:mv="urn:schemas-microsoft-com:mac:vml" xmlns:p="http://schemas.openxmlformats.org/presentationml/2006/main" xmlns:c="http://schemas.openxmlformats.org/drawingml/2006/chart" xmlns:dgm="http://schemas.openxmlformats.org/drawingml/2006/diagram" xmlns:o="urn:schemas-microsoft-com:office:office" xmlns:v="urn:schemas-microsoft-com:vml" xmlns:pvml="urn:schemas-microsoft-com:office:powerpoint" xmlns:com="http://schemas.openxmlformats.org/drawingml/2006/compatibility" xmlns:p14="http://schemas.microsoft.com/office/powerpoint/2010/main" xmlns:p15="http://schemas.microsoft.com/office/powerpoint/2012/main" xmlns:ahyp="http://schemas.microsoft.com/office/drawing/2018/hyperlinkcolor" showMasterPhAnim="0" showMasterSp="0">
+  <p:cSld>
+    <p:spTree>
+      <p:nvGrpSpPr>
+        <p:cNvPr id="353" name="Shape 353"/>
+        <p:cNvGrpSpPr/>
+        <p:nvPr/>
+      </p:nvGrpSpPr>
+      <p:grpSpPr>
+        <a:xfrm>
+          <a:off x="0" y="0"/>
+          <a:ext cx="0" cy="0"/>
+          <a:chOff x="0" y="0"/>
+          <a:chExt cx="0" cy="0"/>
+        </a:xfrm>
+      </p:grpSpPr>
+      <p:sp>
+        <p:nvSpPr>
+          <p:cNvPr id="354" name="Google Shape;354;ge264361766_0_21:notes"/>
+          <p:cNvSpPr/>
+          <p:nvPr>
+            <p:ph idx="2" type="sldImg"/>
+          </p:nvPr>
+        </p:nvSpPr>
+        <p:spPr>
+          <a:xfrm>
+            <a:off x="685800" y="1143000"/>
+            <a:ext cx="5486400" cy="3086100"/>
+          </a:xfrm>
+          <a:custGeom>
+            <a:rect b="b" l="l" r="r" t="t"/>
+            <a:pathLst>
+              <a:path extrusionOk="0" h="120000" w="120000">
+                <a:moveTo>
+                  <a:pt x="0" y="0"/>
+                </a:moveTo>
+                <a:lnTo>
+                  <a:pt x="120000" y="0"/>
+                </a:lnTo>
+                <a:lnTo>
+                  <a:pt x="120000" y="120000"/>
+                </a:lnTo>
+                <a:lnTo>
+                  <a:pt x="0" y="120000"/>
+                </a:lnTo>
+                <a:close/>
+              </a:path>
+            </a:pathLst>
+          </a:custGeom>
+        </p:spPr>
+      </p:sp>
+      <p:sp>
+        <p:nvSpPr>
+          <p:cNvPr id="355" name="Google Shape;355;ge264361766_0_21:notes"/>
+          <p:cNvSpPr txBox="1"/>
+          <p:nvPr>
+            <p:ph idx="1" type="body"/>
+          </p:nvPr>
+        </p:nvSpPr>
+        <p:spPr>
+          <a:xfrm>
+            <a:off x="685800" y="4400550"/>
+            <a:ext cx="5486400" cy="3600600"/>
+          </a:xfrm>
+          <a:prstGeom prst="rect">
+            <a:avLst/>
+          </a:prstGeom>
+        </p:spPr>
+        <p:txBody>
+          <a:bodyPr anchorCtr="0" anchor="t" bIns="45700" lIns="91425" spcFirstLastPara="1" rIns="91425" wrap="square" tIns="45700">
+            <a:noAutofit/>
+          </a:bodyPr>
+          <a:lstStyle/>
+          <a:p>
+            <a:pPr indent="0" lvl="0" marL="0" rtl="0" algn="l">
+              <a:spcBef>
+                <a:spcPts val="0"/>
+              </a:spcBef>
+              <a:spcAft>
+                <a:spcPts val="0"/>
+              </a:spcAft>
+              <a:buNone/>
+            </a:pPr>
+            <a:r>
+              <a:t/>
+            </a:r>
+            <a:endParaRPr/>
+          </a:p>
+        </p:txBody>
+      </p:sp>
+      <p:sp>
+        <p:nvSpPr>
+          <p:cNvPr id="356" name="Google Shape;356;ge264361766_0_21:notes"/>
+          <p:cNvSpPr txBox="1"/>
+          <p:nvPr>
+            <p:ph idx="12" type="sldNum"/>
+          </p:nvPr>
+        </p:nvSpPr>
+        <p:spPr>
+          <a:xfrm>
+            <a:off x="3884613" y="8685213"/>
+            <a:ext cx="2971800" cy="458700"/>
+          </a:xfrm>
+          <a:prstGeom prst="rect">
+            <a:avLst/>
+          </a:prstGeom>
+        </p:spPr>
+        <p:txBody>
+          <a:bodyPr anchorCtr="0" anchor="b" bIns="45700" lIns="91425" spcFirstLastPara="1" rIns="91425" wrap="square" tIns="45700">
+            <a:noAutofit/>
+          </a:bodyPr>
+          <a:lstStyle/>
+          <a:p>
+            <a:pPr indent="0" lvl="0" marL="0" rtl="0" algn="r">
+              <a:spcBef>
+                <a:spcPts val="0"/>
+              </a:spcBef>
+              <a:spcAft>
+                <a:spcPts val="0"/>
+              </a:spcAft>
+              <a:buClr>
+                <a:srgbClr val="000000"/>
+              </a:buClr>
+              <a:buFont typeface="Arial"/>
+              <a:buNone/>
+            </a:pPr>
+            <a:fld id="{00000000-1234-1234-1234-123412341234}" type="slidenum">
+              <a:rPr lang="pt-BR"/>
+              <a:t>‹#›</a:t>
+            </a:fld>
+            <a:endParaRPr/>
+          </a:p>
+        </p:txBody>
+      </p:sp>
+    </p:spTree>
+  </p:cSld>
+  <p:clrMapOvr>
+    <a:masterClrMapping/>
+  </p:clrMapOvr>
+</p:notes>
+</file>
+
+<file path=ppt/notesSlides/notesSlide6.xml><?xml version="1.0" encoding="utf-8"?>
+<p:notes xmlns:a="http://schemas.openxmlformats.org/drawingml/2006/main" xmlns:r="http://schemas.openxmlformats.org/officeDocument/2006/relationships" xmlns:mc="http://schemas.openxmlformats.org/markup-compatibility/2006" xmlns:mv="urn:schemas-microsoft-com:mac:vml" xmlns:p="http://schemas.openxmlformats.org/presentationml/2006/main" xmlns:c="http://schemas.openxmlformats.org/drawingml/2006/chart" xmlns:dgm="http://schemas.openxmlformats.org/drawingml/2006/diagram" xmlns:o="urn:schemas-microsoft-com:office:office" xmlns:v="urn:schemas-microsoft-com:vml" xmlns:pvml="urn:schemas-microsoft-com:office:powerpoint" xmlns:com="http://schemas.openxmlformats.org/drawingml/2006/compatibility" xmlns:p14="http://schemas.microsoft.com/office/powerpoint/2010/main" xmlns:p15="http://schemas.microsoft.com/office/powerpoint/2012/main" xmlns:ahyp="http://schemas.microsoft.com/office/drawing/2018/hyperlinkcolor" showMasterPhAnim="0" showMasterSp="0">
+  <p:cSld>
+    <p:spTree>
+      <p:nvGrpSpPr>
+        <p:cNvPr id="364" name="Shape 364"/>
+        <p:cNvGrpSpPr/>
+        <p:nvPr/>
+      </p:nvGrpSpPr>
+      <p:grpSpPr>
+        <a:xfrm>
+          <a:off x="0" y="0"/>
+          <a:ext cx="0" cy="0"/>
+          <a:chOff x="0" y="0"/>
+          <a:chExt cx="0" cy="0"/>
+        </a:xfrm>
+      </p:grpSpPr>
+      <p:sp>
+        <p:nvSpPr>
+          <p:cNvPr id="365" name="Google Shape;365;ge28d6856fd_0_22:notes"/>
+          <p:cNvSpPr/>
+          <p:nvPr>
+            <p:ph idx="2" type="sldImg"/>
+          </p:nvPr>
+        </p:nvSpPr>
+        <p:spPr>
+          <a:xfrm>
+            <a:off x="685800" y="1143000"/>
+            <a:ext cx="5486400" cy="3086100"/>
+          </a:xfrm>
+          <a:custGeom>
+            <a:rect b="b" l="l" r="r" t="t"/>
+            <a:pathLst>
+              <a:path extrusionOk="0" h="120000" w="120000">
+                <a:moveTo>
+                  <a:pt x="0" y="0"/>
+                </a:moveTo>
+                <a:lnTo>
+                  <a:pt x="120000" y="0"/>
+                </a:lnTo>
+                <a:lnTo>
+                  <a:pt x="120000" y="120000"/>
+                </a:lnTo>
+                <a:lnTo>
+                  <a:pt x="0" y="120000"/>
+                </a:lnTo>
+                <a:close/>
+              </a:path>
+            </a:pathLst>
+          </a:custGeom>
+        </p:spPr>
+      </p:sp>
+      <p:sp>
+        <p:nvSpPr>
+          <p:cNvPr id="366" name="Google Shape;366;ge28d6856fd_0_22:notes"/>
+          <p:cNvSpPr txBox="1"/>
+          <p:nvPr>
+            <p:ph idx="1" type="body"/>
+          </p:nvPr>
+        </p:nvSpPr>
+        <p:spPr>
+          <a:xfrm>
+            <a:off x="685800" y="4400550"/>
+            <a:ext cx="5486400" cy="3600600"/>
+          </a:xfrm>
+          <a:prstGeom prst="rect">
+            <a:avLst/>
+          </a:prstGeom>
+        </p:spPr>
+        <p:txBody>
+          <a:bodyPr anchorCtr="0" anchor="t" bIns="45700" lIns="91425" spcFirstLastPara="1" rIns="91425" wrap="square" tIns="45700">
+            <a:noAutofit/>
+          </a:bodyPr>
+          <a:lstStyle/>
+          <a:p>
+            <a:pPr indent="0" lvl="0" marL="0" rtl="0" algn="l">
+              <a:spcBef>
+                <a:spcPts val="0"/>
+              </a:spcBef>
+              <a:spcAft>
+                <a:spcPts val="0"/>
+              </a:spcAft>
+              <a:buNone/>
+            </a:pPr>
+            <a:r>
+              <a:t/>
+            </a:r>
+            <a:endParaRPr/>
+          </a:p>
+        </p:txBody>
+      </p:sp>
+      <p:sp>
+        <p:nvSpPr>
+          <p:cNvPr id="367" name="Google Shape;367;ge28d6856fd_0_22:notes"/>
           <p:cNvSpPr txBox="1"/>
           <p:nvPr>
             <p:ph idx="12" type="sldNum"/>
@@ -33716,7 +33848,7 @@
         <p:spPr>
           <a:xfrm>
             <a:off x="8091107" y="301017"/>
-            <a:ext cx="3084891" cy="1478570"/>
+            <a:ext cx="3084900" cy="1478700"/>
           </a:xfrm>
           <a:prstGeom prst="rect">
             <a:avLst/>
@@ -33767,182 +33899,8 @@
         </p:nvSpPr>
         <p:spPr>
           <a:xfrm>
-            <a:off x="7912408" y="1760538"/>
-            <a:ext cx="3631892" cy="4859338"/>
-          </a:xfrm>
-          <a:prstGeom prst="rect">
-            <a:avLst/>
-          </a:prstGeom>
-          <a:noFill/>
-          <a:ln>
-            <a:noFill/>
-          </a:ln>
-        </p:spPr>
-        <p:txBody>
-          <a:bodyPr anchorCtr="0" anchor="t" bIns="45700" lIns="91425" spcFirstLastPara="1" rIns="91425" wrap="square" tIns="45700">
-            <a:noAutofit/>
-          </a:bodyPr>
-          <a:lstStyle/>
-          <a:p>
-            <a:pPr indent="-228600" lvl="0" marL="228600" rtl="0" algn="l">
-              <a:lnSpc>
-                <a:spcPct val="110000"/>
-              </a:lnSpc>
-              <a:spcBef>
-                <a:spcPts val="0"/>
-              </a:spcBef>
-              <a:spcAft>
-                <a:spcPts val="0"/>
-              </a:spcAft>
-              <a:buClr>
-                <a:schemeClr val="lt1"/>
-              </a:buClr>
-              <a:buSzPts val="2250"/>
-              <a:buChar char="•"/>
-            </a:pPr>
-            <a:r>
-              <a:rPr lang="pt-BR" sz="1800"/>
-              <a:t>O jogo se passa em um senário de guerra, onde o jogador é um general que deve defender seu território de ataque submarino inimigo.</a:t>
-            </a:r>
-            <a:endParaRPr/>
-          </a:p>
-          <a:p>
-            <a:pPr indent="-228600" lvl="0" marL="228600" rtl="0" algn="l">
-              <a:lnSpc>
-                <a:spcPct val="110000"/>
-              </a:lnSpc>
-              <a:spcBef>
-                <a:spcPts val="1000"/>
-              </a:spcBef>
-              <a:spcAft>
-                <a:spcPts val="0"/>
-              </a:spcAft>
-              <a:buClr>
-                <a:schemeClr val="lt1"/>
-              </a:buClr>
-              <a:buSzPts val="2250"/>
-              <a:buChar char="•"/>
-            </a:pPr>
-            <a:r>
-              <a:rPr lang="pt-BR" sz="1800"/>
-              <a:t>O jogador tem a sua disposição algumas balas de canhão, tendo que abater os submarinos inimigos que estão espalhados aleatoriamente pelo mar.</a:t>
-            </a:r>
-            <a:endParaRPr/>
-          </a:p>
-          <a:p>
-            <a:pPr indent="-228600" lvl="0" marL="228600" rtl="0" algn="l">
-              <a:lnSpc>
-                <a:spcPct val="110000"/>
-              </a:lnSpc>
-              <a:spcBef>
-                <a:spcPts val="1000"/>
-              </a:spcBef>
-              <a:spcAft>
-                <a:spcPts val="0"/>
-              </a:spcAft>
-              <a:buClr>
-                <a:schemeClr val="lt1"/>
-              </a:buClr>
-              <a:buSzPts val="2250"/>
-              <a:buChar char="•"/>
-            </a:pPr>
-            <a:r>
-              <a:rPr lang="pt-BR" sz="1800"/>
-              <a:t>O jogo acaba quando todos os submarinos forem abatidos ou quando as balas acabarem, o que ocorrer primeiro.</a:t>
-            </a:r>
-            <a:endParaRPr/>
-          </a:p>
-        </p:txBody>
-      </p:sp>
-    </p:spTree>
-  </p:cSld>
-  <p:clrMapOvr>
-    <a:masterClrMapping/>
-  </p:clrMapOvr>
-</p:sld>
-</file>
-
-<file path=ppt/slides/slide3.xml><?xml version="1.0" encoding="utf-8"?>
-<p:sld xmlns:a="http://schemas.openxmlformats.org/drawingml/2006/main" xmlns:r="http://schemas.openxmlformats.org/officeDocument/2006/relationships" xmlns:mc="http://schemas.openxmlformats.org/markup-compatibility/2006" xmlns:mv="urn:schemas-microsoft-com:mac:vml" xmlns:p="http://schemas.openxmlformats.org/presentationml/2006/main" xmlns:c="http://schemas.openxmlformats.org/drawingml/2006/chart" xmlns:dgm="http://schemas.openxmlformats.org/drawingml/2006/diagram" xmlns:o="urn:schemas-microsoft-com:office:office" xmlns:v="urn:schemas-microsoft-com:vml" xmlns:pvml="urn:schemas-microsoft-com:office:powerpoint" xmlns:com="http://schemas.openxmlformats.org/drawingml/2006/compatibility" xmlns:p14="http://schemas.microsoft.com/office/powerpoint/2010/main" xmlns:p15="http://schemas.microsoft.com/office/powerpoint/2012/main" xmlns:ahyp="http://schemas.microsoft.com/office/drawing/2018/hyperlinkcolor">
-  <p:cSld>
-    <p:spTree>
-      <p:nvGrpSpPr>
-        <p:cNvPr id="338" name="Shape 338"/>
-        <p:cNvGrpSpPr/>
-        <p:nvPr/>
-      </p:nvGrpSpPr>
-      <p:grpSpPr>
-        <a:xfrm>
-          <a:off x="0" y="0"/>
-          <a:ext cx="0" cy="0"/>
-          <a:chOff x="0" y="0"/>
-          <a:chExt cx="0" cy="0"/>
-        </a:xfrm>
-      </p:grpSpPr>
-      <p:sp>
-        <p:nvSpPr>
-          <p:cNvPr id="339" name="Google Shape;339;p3"/>
-          <p:cNvSpPr txBox="1"/>
-          <p:nvPr>
-            <p:ph type="title"/>
-          </p:nvPr>
-        </p:nvSpPr>
-        <p:spPr>
-          <a:xfrm>
-            <a:off x="1141413" y="618518"/>
-            <a:ext cx="9905998" cy="1478570"/>
-          </a:xfrm>
-          <a:prstGeom prst="rect">
-            <a:avLst/>
-          </a:prstGeom>
-          <a:noFill/>
-          <a:ln>
-            <a:noFill/>
-          </a:ln>
-        </p:spPr>
-        <p:txBody>
-          <a:bodyPr anchorCtr="0" anchor="ctr" bIns="45700" lIns="91425" spcFirstLastPara="1" rIns="91425" wrap="square" tIns="45700">
-            <a:normAutofit/>
-          </a:bodyPr>
-          <a:lstStyle/>
-          <a:p>
-            <a:pPr indent="0" lvl="0" marL="0" rtl="0" algn="ctr">
-              <a:lnSpc>
-                <a:spcPct val="90000"/>
-              </a:lnSpc>
-              <a:spcBef>
-                <a:spcPts val="0"/>
-              </a:spcBef>
-              <a:spcAft>
-                <a:spcPts val="0"/>
-              </a:spcAft>
-              <a:buClr>
-                <a:schemeClr val="lt1"/>
-              </a:buClr>
-              <a:buSzPts val="3600"/>
-              <a:buFont typeface="Twentieth Century"/>
-              <a:buNone/>
-            </a:pPr>
-            <a:r>
-              <a:rPr lang="pt-BR"/>
-              <a:t>COMO JOGAR</a:t>
-            </a:r>
-            <a:endParaRPr/>
-          </a:p>
-        </p:txBody>
-      </p:sp>
-      <p:sp>
-        <p:nvSpPr>
-          <p:cNvPr id="340" name="Google Shape;340;p3"/>
-          <p:cNvSpPr txBox="1"/>
-          <p:nvPr>
-            <p:ph idx="1" type="body"/>
-          </p:nvPr>
-        </p:nvSpPr>
-        <p:spPr>
-          <a:xfrm>
-            <a:off x="1141412" y="2249487"/>
-            <a:ext cx="9905999" cy="4085052"/>
+            <a:off x="7552950" y="1779725"/>
+            <a:ext cx="4638900" cy="1628400"/>
           </a:xfrm>
           <a:prstGeom prst="rect">
             <a:avLst/>
@@ -33960,7 +33918,7 @@
           <a:p>
             <a:pPr indent="-228600" lvl="0" marL="228600" rtl="0" algn="l">
               <a:lnSpc>
-                <a:spcPct val="120000"/>
+                <a:spcPct val="110000"/>
               </a:lnSpc>
               <a:spcBef>
                 <a:spcPts val="0"/>
@@ -33971,86 +33929,578 @@
               <a:buClr>
                 <a:schemeClr val="lt1"/>
               </a:buClr>
-              <a:buSzPts val="3000"/>
+              <a:buSzPts val="2250"/>
               <a:buChar char="•"/>
             </a:pPr>
             <a:r>
-              <a:rPr lang="pt-BR"/>
-              <a:t>O jogo se inicia perguntado o nome do jogador.</a:t>
-            </a:r>
-            <a:endParaRPr/>
-          </a:p>
-          <a:p>
-            <a:pPr indent="-228600" lvl="0" marL="228600" rtl="0" algn="l">
-              <a:lnSpc>
-                <a:spcPct val="120000"/>
-              </a:lnSpc>
-              <a:spcBef>
-                <a:spcPts val="1000"/>
-              </a:spcBef>
-              <a:spcAft>
-                <a:spcPts val="0"/>
-              </a:spcAft>
-              <a:buClr>
-                <a:schemeClr val="lt1"/>
-              </a:buClr>
-              <a:buSzPts val="3000"/>
-              <a:buChar char="•"/>
-            </a:pPr>
-            <a:r>
-              <a:rPr lang="pt-BR"/>
-              <a:t>Após o nome ser escolhido, será mostrada um campo que representa o mar, o nome escolhido, o numero de balas restantes, o score atual do jogador, e quantos submarinos restam e seus respectivos tamanhos.</a:t>
-            </a:r>
-            <a:endParaRPr/>
-          </a:p>
-          <a:p>
-            <a:pPr indent="-228600" lvl="0" marL="228600" rtl="0" algn="l">
-              <a:lnSpc>
-                <a:spcPct val="120000"/>
-              </a:lnSpc>
-              <a:spcBef>
-                <a:spcPts val="1000"/>
-              </a:spcBef>
-              <a:spcAft>
-                <a:spcPts val="0"/>
-              </a:spcAft>
-              <a:buClr>
-                <a:schemeClr val="lt1"/>
-              </a:buClr>
-              <a:buSzPts val="3000"/>
-              <a:buChar char="•"/>
-            </a:pPr>
-            <a:r>
-              <a:rPr lang="pt-BR"/>
-              <a:t>A entrada do jogo será dada pelo teclado, onde o jogador digitará a coordenada em que quer atirar, separando as linhas das colunas por “:”</a:t>
-            </a:r>
-            <a:endParaRPr/>
-          </a:p>
-          <a:p>
-            <a:pPr indent="-228600" lvl="0" marL="228600" rtl="0" algn="l">
-              <a:lnSpc>
-                <a:spcPct val="120000"/>
-              </a:lnSpc>
-              <a:spcBef>
-                <a:spcPts val="1000"/>
-              </a:spcBef>
-              <a:spcAft>
-                <a:spcPts val="0"/>
-              </a:spcAft>
-              <a:buClr>
-                <a:schemeClr val="lt1"/>
-              </a:buClr>
-              <a:buSzPts val="3000"/>
-              <a:buChar char="•"/>
-            </a:pPr>
-            <a:r>
-              <a:rPr lang="pt-BR"/>
-              <a:t>A cada jogada o estado do jogo é atualizado, até o fim do jogo.</a:t>
+              <a:rPr lang="pt-BR" sz="1800"/>
+              <a:t>O jogo se passa em um cenário de guerra, onde o jogador é um general que deve defender seu território de ataque submarino inimigo.</a:t>
             </a:r>
             <a:endParaRPr/>
           </a:p>
         </p:txBody>
       </p:sp>
+      <p:pic>
+        <p:nvPicPr>
+          <p:cNvPr id="335" name="Google Shape;335;p2"/>
+          <p:cNvPicPr preferRelativeResize="0"/>
+          <p:nvPr/>
+        </p:nvPicPr>
+        <p:blipFill>
+          <a:blip r:embed="rId6">
+            <a:alphaModFix/>
+          </a:blip>
+          <a:stretch>
+            <a:fillRect/>
+          </a:stretch>
+        </p:blipFill>
+        <p:spPr>
+          <a:xfrm>
+            <a:off x="176350" y="2476488"/>
+            <a:ext cx="7620000" cy="1905000"/>
+          </a:xfrm>
+          <a:prstGeom prst="rect">
+            <a:avLst/>
+          </a:prstGeom>
+          <a:noFill/>
+          <a:ln>
+            <a:noFill/>
+          </a:ln>
+        </p:spPr>
+      </p:pic>
+      <p:sp>
+        <p:nvSpPr>
+          <p:cNvPr id="336" name="Google Shape;336;p2"/>
+          <p:cNvSpPr txBox="1"/>
+          <p:nvPr/>
+        </p:nvSpPr>
+        <p:spPr>
+          <a:xfrm>
+            <a:off x="7552950" y="3408025"/>
+            <a:ext cx="4638900" cy="1452300"/>
+          </a:xfrm>
+          <a:prstGeom prst="rect">
+            <a:avLst/>
+          </a:prstGeom>
+          <a:noFill/>
+          <a:ln>
+            <a:noFill/>
+          </a:ln>
+        </p:spPr>
+        <p:txBody>
+          <a:bodyPr anchorCtr="0" anchor="t" bIns="91425" lIns="91425" spcFirstLastPara="1" rIns="91425" wrap="square" tIns="91425">
+            <a:normAutofit/>
+          </a:bodyPr>
+          <a:lstStyle/>
+          <a:p>
+            <a:pPr indent="-228600" lvl="0" marL="228600" rtl="0" algn="l">
+              <a:lnSpc>
+                <a:spcPct val="110000"/>
+              </a:lnSpc>
+              <a:spcBef>
+                <a:spcPts val="1000"/>
+              </a:spcBef>
+              <a:spcAft>
+                <a:spcPts val="0"/>
+              </a:spcAft>
+              <a:buClr>
+                <a:schemeClr val="lt1"/>
+              </a:buClr>
+              <a:buSzPts val="2250"/>
+              <a:buChar char="•"/>
+            </a:pPr>
+            <a:r>
+              <a:rPr lang="pt-BR" sz="1800">
+                <a:solidFill>
+                  <a:schemeClr val="lt1"/>
+                </a:solidFill>
+                <a:latin typeface="Twentieth Century"/>
+                <a:ea typeface="Twentieth Century"/>
+                <a:cs typeface="Twentieth Century"/>
+                <a:sym typeface="Twentieth Century"/>
+              </a:rPr>
+              <a:t>O jogador tem a sua disposição algumas balas de canhão, tendo que abater os submarinos inimigos que estão espalhados aleatoriamente pelo mar.</a:t>
+            </a:r>
+            <a:endParaRPr>
+              <a:latin typeface="Twentieth Century"/>
+              <a:ea typeface="Twentieth Century"/>
+              <a:cs typeface="Twentieth Century"/>
+              <a:sym typeface="Twentieth Century"/>
+            </a:endParaRPr>
+          </a:p>
+        </p:txBody>
+      </p:sp>
+      <p:sp>
+        <p:nvSpPr>
+          <p:cNvPr id="337" name="Google Shape;337;p2"/>
+          <p:cNvSpPr txBox="1"/>
+          <p:nvPr/>
+        </p:nvSpPr>
+        <p:spPr>
+          <a:xfrm>
+            <a:off x="7552950" y="4980650"/>
+            <a:ext cx="4638900" cy="1390800"/>
+          </a:xfrm>
+          <a:prstGeom prst="rect">
+            <a:avLst/>
+          </a:prstGeom>
+          <a:noFill/>
+          <a:ln>
+            <a:noFill/>
+          </a:ln>
+        </p:spPr>
+        <p:txBody>
+          <a:bodyPr anchorCtr="0" anchor="t" bIns="91425" lIns="91425" spcFirstLastPara="1" rIns="91425" wrap="square" tIns="91425">
+            <a:normAutofit/>
+          </a:bodyPr>
+          <a:lstStyle/>
+          <a:p>
+            <a:pPr indent="-228600" lvl="0" marL="228600" rtl="0" algn="l">
+              <a:lnSpc>
+                <a:spcPct val="110000"/>
+              </a:lnSpc>
+              <a:spcBef>
+                <a:spcPts val="1000"/>
+              </a:spcBef>
+              <a:spcAft>
+                <a:spcPts val="0"/>
+              </a:spcAft>
+              <a:buClr>
+                <a:schemeClr val="lt1"/>
+              </a:buClr>
+              <a:buSzPts val="2250"/>
+              <a:buChar char="•"/>
+            </a:pPr>
+            <a:r>
+              <a:rPr lang="pt-BR" sz="1800">
+                <a:solidFill>
+                  <a:schemeClr val="lt1"/>
+                </a:solidFill>
+                <a:latin typeface="Twentieth Century"/>
+                <a:ea typeface="Twentieth Century"/>
+                <a:cs typeface="Twentieth Century"/>
+                <a:sym typeface="Twentieth Century"/>
+              </a:rPr>
+              <a:t>O jogo acaba quando o player consegue destruir os navios inimigos ou quando sua frota inteira é destruída.</a:t>
+            </a:r>
+            <a:endParaRPr>
+              <a:solidFill>
+                <a:schemeClr val="dk1"/>
+              </a:solidFill>
+              <a:latin typeface="Twentieth Century"/>
+              <a:ea typeface="Twentieth Century"/>
+              <a:cs typeface="Twentieth Century"/>
+              <a:sym typeface="Twentieth Century"/>
+            </a:endParaRPr>
+          </a:p>
+          <a:p>
+            <a:pPr indent="0" lvl="0" marL="0" rtl="0" algn="l">
+              <a:spcBef>
+                <a:spcPts val="0"/>
+              </a:spcBef>
+              <a:spcAft>
+                <a:spcPts val="0"/>
+              </a:spcAft>
+              <a:buNone/>
+            </a:pPr>
+            <a:r>
+              <a:t/>
+            </a:r>
+            <a:endParaRPr>
+              <a:latin typeface="Twentieth Century"/>
+              <a:ea typeface="Twentieth Century"/>
+              <a:cs typeface="Twentieth Century"/>
+              <a:sym typeface="Twentieth Century"/>
+            </a:endParaRPr>
+          </a:p>
+        </p:txBody>
+      </p:sp>
+    </p:spTree>
+  </p:cSld>
+  <p:clrMapOvr>
+    <a:masterClrMapping/>
+  </p:clrMapOvr>
+  <p:timing>
+    <p:tnLst>
+      <p:par>
+        <p:cTn dur="indefinite" nodeType="tmRoot" restart="never">
+          <p:childTnLst>
+            <p:seq concurrent="1" nextAc="seek">
+              <p:cTn dur="indefinite" id="2" nodeType="mainSeq">
+                <p:childTnLst>
+                  <p:par>
+                    <p:cTn fill="hold">
+                      <p:stCondLst>
+                        <p:cond delay="indefinite"/>
+                      </p:stCondLst>
+                      <p:childTnLst>
+                        <p:par>
+                          <p:cTn fill="hold">
+                            <p:stCondLst>
+                              <p:cond delay="0"/>
+                            </p:stCondLst>
+                            <p:childTnLst>
+                              <p:par>
+                                <p:cTn fill="hold" nodeType="clickEffect" presetClass="entr" presetID="1" presetSubtype="0">
+                                  <p:stCondLst>
+                                    <p:cond delay="0"/>
+                                  </p:stCondLst>
+                                  <p:childTnLst>
+                                    <p:set>
+                                      <p:cBhvr>
+                                        <p:cTn dur="1" fill="hold">
+                                          <p:stCondLst>
+                                            <p:cond delay="0"/>
+                                          </p:stCondLst>
+                                        </p:cTn>
+                                        <p:tgtEl>
+                                          <p:spTgt spid="334"/>
+                                        </p:tgtEl>
+                                        <p:attrNameLst>
+                                          <p:attrName>style.visibility</p:attrName>
+                                        </p:attrNameLst>
+                                      </p:cBhvr>
+                                      <p:to>
+                                        <p:strVal val="visible"/>
+                                      </p:to>
+                                    </p:set>
+                                  </p:childTnLst>
+                                </p:cTn>
+                              </p:par>
+                            </p:childTnLst>
+                          </p:cTn>
+                        </p:par>
+                      </p:childTnLst>
+                    </p:cTn>
+                  </p:par>
+                  <p:par>
+                    <p:cTn fill="hold">
+                      <p:stCondLst>
+                        <p:cond delay="indefinite"/>
+                      </p:stCondLst>
+                      <p:childTnLst>
+                        <p:par>
+                          <p:cTn fill="hold">
+                            <p:stCondLst>
+                              <p:cond delay="0"/>
+                            </p:stCondLst>
+                            <p:childTnLst>
+                              <p:par>
+                                <p:cTn fill="hold" nodeType="clickEffect" presetClass="entr" presetID="10" presetSubtype="0">
+                                  <p:stCondLst>
+                                    <p:cond delay="0"/>
+                                  </p:stCondLst>
+                                  <p:childTnLst>
+                                    <p:set>
+                                      <p:cBhvr>
+                                        <p:cTn dur="1" fill="hold">
+                                          <p:stCondLst>
+                                            <p:cond delay="0"/>
+                                          </p:stCondLst>
+                                        </p:cTn>
+                                        <p:tgtEl>
+                                          <p:spTgt spid="334"/>
+                                        </p:tgtEl>
+                                        <p:attrNameLst>
+                                          <p:attrName>style.visibility</p:attrName>
+                                        </p:attrNameLst>
+                                      </p:cBhvr>
+                                      <p:to>
+                                        <p:strVal val="visible"/>
+                                      </p:to>
+                                    </p:set>
+                                    <p:animEffect filter="fade" transition="in">
+                                      <p:cBhvr>
+                                        <p:cTn dur="1000"/>
+                                        <p:tgtEl>
+                                          <p:spTgt spid="334"/>
+                                        </p:tgtEl>
+                                      </p:cBhvr>
+                                    </p:animEffect>
+                                  </p:childTnLst>
+                                </p:cTn>
+                              </p:par>
+                            </p:childTnLst>
+                          </p:cTn>
+                        </p:par>
+                      </p:childTnLst>
+                    </p:cTn>
+                  </p:par>
+                  <p:par>
+                    <p:cTn fill="hold">
+                      <p:stCondLst>
+                        <p:cond delay="indefinite"/>
+                      </p:stCondLst>
+                      <p:childTnLst>
+                        <p:par>
+                          <p:cTn fill="hold">
+                            <p:stCondLst>
+                              <p:cond delay="0"/>
+                            </p:stCondLst>
+                            <p:childTnLst>
+                              <p:par>
+                                <p:cTn fill="hold" nodeType="clickEffect" presetClass="entr" presetID="10" presetSubtype="0">
+                                  <p:stCondLst>
+                                    <p:cond delay="0"/>
+                                  </p:stCondLst>
+                                  <p:childTnLst>
+                                    <p:set>
+                                      <p:cBhvr>
+                                        <p:cTn dur="1" fill="hold">
+                                          <p:stCondLst>
+                                            <p:cond delay="0"/>
+                                          </p:stCondLst>
+                                        </p:cTn>
+                                        <p:tgtEl>
+                                          <p:spTgt spid="336"/>
+                                        </p:tgtEl>
+                                        <p:attrNameLst>
+                                          <p:attrName>style.visibility</p:attrName>
+                                        </p:attrNameLst>
+                                      </p:cBhvr>
+                                      <p:to>
+                                        <p:strVal val="visible"/>
+                                      </p:to>
+                                    </p:set>
+                                    <p:animEffect filter="fade" transition="in">
+                                      <p:cBhvr>
+                                        <p:cTn dur="1000"/>
+                                        <p:tgtEl>
+                                          <p:spTgt spid="336"/>
+                                        </p:tgtEl>
+                                      </p:cBhvr>
+                                    </p:animEffect>
+                                  </p:childTnLst>
+                                </p:cTn>
+                              </p:par>
+                            </p:childTnLst>
+                          </p:cTn>
+                        </p:par>
+                      </p:childTnLst>
+                    </p:cTn>
+                  </p:par>
+                  <p:par>
+                    <p:cTn fill="hold">
+                      <p:stCondLst>
+                        <p:cond delay="indefinite"/>
+                      </p:stCondLst>
+                      <p:childTnLst>
+                        <p:par>
+                          <p:cTn fill="hold">
+                            <p:stCondLst>
+                              <p:cond delay="0"/>
+                            </p:stCondLst>
+                            <p:childTnLst>
+                              <p:par>
+                                <p:cTn fill="hold" nodeType="clickEffect" presetClass="entr" presetID="10" presetSubtype="0">
+                                  <p:stCondLst>
+                                    <p:cond delay="0"/>
+                                  </p:stCondLst>
+                                  <p:childTnLst>
+                                    <p:set>
+                                      <p:cBhvr>
+                                        <p:cTn dur="1" fill="hold">
+                                          <p:stCondLst>
+                                            <p:cond delay="0"/>
+                                          </p:stCondLst>
+                                        </p:cTn>
+                                        <p:tgtEl>
+                                          <p:spTgt spid="337"/>
+                                        </p:tgtEl>
+                                        <p:attrNameLst>
+                                          <p:attrName>style.visibility</p:attrName>
+                                        </p:attrNameLst>
+                                      </p:cBhvr>
+                                      <p:to>
+                                        <p:strVal val="visible"/>
+                                      </p:to>
+                                    </p:set>
+                                    <p:animEffect filter="fade" transition="in">
+                                      <p:cBhvr>
+                                        <p:cTn dur="1000"/>
+                                        <p:tgtEl>
+                                          <p:spTgt spid="337"/>
+                                        </p:tgtEl>
+                                      </p:cBhvr>
+                                    </p:animEffect>
+                                  </p:childTnLst>
+                                </p:cTn>
+                              </p:par>
+                            </p:childTnLst>
+                          </p:cTn>
+                        </p:par>
+                      </p:childTnLst>
+                    </p:cTn>
+                  </p:par>
+                </p:childTnLst>
+              </p:cTn>
+              <p:prevCondLst>
+                <p:cond evt="onPrev">
+                  <p:tgtEl>
+                    <p:sldTgt/>
+                  </p:tgtEl>
+                </p:cond>
+              </p:prevCondLst>
+              <p:nextCondLst>
+                <p:cond evt="onNext">
+                  <p:tgtEl>
+                    <p:sldTgt/>
+                  </p:tgtEl>
+                </p:cond>
+              </p:nextCondLst>
+            </p:seq>
+          </p:childTnLst>
+        </p:cTn>
+      </p:par>
+    </p:tnLst>
+  </p:timing>
+</p:sld>
+</file>
+
+<file path=ppt/slides/slide3.xml><?xml version="1.0" encoding="utf-8"?>
+<p:sld xmlns:a="http://schemas.openxmlformats.org/drawingml/2006/main" xmlns:r="http://schemas.openxmlformats.org/officeDocument/2006/relationships" xmlns:mc="http://schemas.openxmlformats.org/markup-compatibility/2006" xmlns:mv="urn:schemas-microsoft-com:mac:vml" xmlns:p="http://schemas.openxmlformats.org/presentationml/2006/main" xmlns:c="http://schemas.openxmlformats.org/drawingml/2006/chart" xmlns:dgm="http://schemas.openxmlformats.org/drawingml/2006/diagram" xmlns:o="urn:schemas-microsoft-com:office:office" xmlns:v="urn:schemas-microsoft-com:vml" xmlns:pvml="urn:schemas-microsoft-com:office:powerpoint" xmlns:com="http://schemas.openxmlformats.org/drawingml/2006/compatibility" xmlns:p14="http://schemas.microsoft.com/office/powerpoint/2010/main" xmlns:p15="http://schemas.microsoft.com/office/powerpoint/2012/main" xmlns:ahyp="http://schemas.microsoft.com/office/drawing/2018/hyperlinkcolor">
+  <p:cSld>
+    <p:spTree>
+      <p:nvGrpSpPr>
+        <p:cNvPr id="342" name="Shape 342"/>
+        <p:cNvGrpSpPr/>
+        <p:nvPr/>
+      </p:nvGrpSpPr>
+      <p:grpSpPr>
+        <a:xfrm>
+          <a:off x="0" y="0"/>
+          <a:ext cx="0" cy="0"/>
+          <a:chOff x="0" y="0"/>
+          <a:chExt cx="0" cy="0"/>
+        </a:xfrm>
+      </p:grpSpPr>
+      <p:sp>
+        <p:nvSpPr>
+          <p:cNvPr id="343" name="Google Shape;343;ge28d6856fd_0_6"/>
+          <p:cNvSpPr txBox="1"/>
+          <p:nvPr>
+            <p:ph type="title"/>
+          </p:nvPr>
+        </p:nvSpPr>
+        <p:spPr>
+          <a:xfrm>
+            <a:off x="1141413" y="618518"/>
+            <a:ext cx="9906000" cy="1478700"/>
+          </a:xfrm>
+          <a:prstGeom prst="rect">
+            <a:avLst/>
+          </a:prstGeom>
+        </p:spPr>
+        <p:txBody>
+          <a:bodyPr anchorCtr="0" anchor="ctr" bIns="45700" lIns="91425" spcFirstLastPara="1" rIns="91425" wrap="square" tIns="45700">
+            <a:normAutofit/>
+          </a:bodyPr>
+          <a:lstStyle/>
+          <a:p>
+            <a:pPr indent="0" lvl="0" marL="0" rtl="0" algn="ctr">
+              <a:spcBef>
+                <a:spcPts val="0"/>
+              </a:spcBef>
+              <a:spcAft>
+                <a:spcPts val="0"/>
+              </a:spcAft>
+              <a:buClr>
+                <a:schemeClr val="dk1"/>
+              </a:buClr>
+              <a:buSzPts val="1100"/>
+              <a:buFont typeface="Arial"/>
+              <a:buNone/>
+            </a:pPr>
+            <a:r>
+              <a:rPr lang="pt-BR"/>
+              <a:t>ARQUITETURA</a:t>
+            </a:r>
+            <a:endParaRPr/>
+          </a:p>
+          <a:p>
+            <a:pPr indent="0" lvl="0" marL="0" rtl="0" algn="l">
+              <a:spcBef>
+                <a:spcPts val="0"/>
+              </a:spcBef>
+              <a:spcAft>
+                <a:spcPts val="0"/>
+              </a:spcAft>
+              <a:buNone/>
+            </a:pPr>
+            <a:r>
+              <a:t/>
+            </a:r>
+            <a:endParaRPr/>
+          </a:p>
+        </p:txBody>
+      </p:sp>
+      <p:sp>
+        <p:nvSpPr>
+          <p:cNvPr id="344" name="Google Shape;344;ge28d6856fd_0_6"/>
+          <p:cNvSpPr txBox="1"/>
+          <p:nvPr>
+            <p:ph idx="1" type="body"/>
+          </p:nvPr>
+        </p:nvSpPr>
+        <p:spPr>
+          <a:xfrm>
+            <a:off x="1141412" y="2249487"/>
+            <a:ext cx="9906000" cy="3541800"/>
+          </a:xfrm>
+          <a:prstGeom prst="rect">
+            <a:avLst/>
+          </a:prstGeom>
+        </p:spPr>
+        <p:txBody>
+          <a:bodyPr anchorCtr="0" anchor="t" bIns="45700" lIns="91425" spcFirstLastPara="1" rIns="91425" wrap="square" tIns="45700">
+            <a:normAutofit/>
+          </a:bodyPr>
+          <a:lstStyle/>
+          <a:p>
+            <a:pPr indent="0" lvl="0" marL="0" rtl="0" algn="l">
+              <a:spcBef>
+                <a:spcPts val="1000"/>
+              </a:spcBef>
+              <a:spcAft>
+                <a:spcPts val="0"/>
+              </a:spcAft>
+              <a:buNone/>
+            </a:pPr>
+            <a:r>
+              <a:t/>
+            </a:r>
+            <a:endParaRPr/>
+          </a:p>
+        </p:txBody>
+      </p:sp>
+      <p:pic>
+        <p:nvPicPr>
+          <p:cNvPr id="345" name="Google Shape;345;ge28d6856fd_0_6"/>
+          <p:cNvPicPr preferRelativeResize="0"/>
+          <p:nvPr/>
+        </p:nvPicPr>
+        <p:blipFill>
+          <a:blip r:embed="rId3">
+            <a:alphaModFix/>
+          </a:blip>
+          <a:stretch>
+            <a:fillRect/>
+          </a:stretch>
+        </p:blipFill>
+        <p:spPr>
+          <a:xfrm>
+            <a:off x="3040862" y="1332425"/>
+            <a:ext cx="6107070" cy="5105475"/>
+          </a:xfrm>
+          <a:prstGeom prst="rect">
+            <a:avLst/>
+          </a:prstGeom>
+          <a:noFill/>
+          <a:ln>
+            <a:noFill/>
+          </a:ln>
+        </p:spPr>
+      </p:pic>
     </p:spTree>
   </p:cSld>
   <p:clrMapOvr>
@@ -34064,7 +34514,7 @@
   <p:cSld>
     <p:spTree>
       <p:nvGrpSpPr>
-        <p:cNvPr id="344" name="Shape 344"/>
+        <p:cNvPr id="350" name="Shape 350"/>
         <p:cNvGrpSpPr/>
         <p:nvPr/>
       </p:nvGrpSpPr>
@@ -34078,7 +34528,7 @@
       </p:grpSpPr>
       <p:sp>
         <p:nvSpPr>
-          <p:cNvPr id="345" name="Google Shape;345;p4"/>
+          <p:cNvPr id="351" name="Google Shape;351;ge264361766_0_5"/>
           <p:cNvSpPr txBox="1"/>
           <p:nvPr>
             <p:ph type="title"/>
@@ -34086,16 +34536,12 @@
         </p:nvSpPr>
         <p:spPr>
           <a:xfrm>
-            <a:off x="1141413" y="397566"/>
-            <a:ext cx="9905998" cy="1478570"/>
+            <a:off x="1141413" y="618518"/>
+            <a:ext cx="9906000" cy="1478700"/>
           </a:xfrm>
           <a:prstGeom prst="rect">
             <a:avLst/>
           </a:prstGeom>
-          <a:noFill/>
-          <a:ln>
-            <a:noFill/>
-          </a:ln>
         </p:spPr>
         <p:txBody>
           <a:bodyPr anchorCtr="0" anchor="ctr" bIns="45700" lIns="91425" spcFirstLastPara="1" rIns="91425" wrap="square" tIns="45700">
@@ -34104,25 +34550,17 @@
           <a:lstStyle/>
           <a:p>
             <a:pPr indent="0" lvl="0" marL="0" rtl="0" algn="ctr">
-              <a:lnSpc>
-                <a:spcPct val="90000"/>
-              </a:lnSpc>
-              <a:spcBef>
-                <a:spcPts val="0"/>
-              </a:spcBef>
-              <a:spcAft>
-                <a:spcPts val="0"/>
-              </a:spcAft>
-              <a:buClr>
-                <a:schemeClr val="lt1"/>
-              </a:buClr>
-              <a:buSzPts val="3600"/>
-              <a:buFont typeface="Twentieth Century"/>
+              <a:spcBef>
+                <a:spcPts val="0"/>
+              </a:spcBef>
+              <a:spcAft>
+                <a:spcPts val="0"/>
+              </a:spcAft>
               <a:buNone/>
             </a:pPr>
             <a:r>
               <a:rPr lang="pt-BR"/>
-              <a:t>MECÂNICA DO JOGO</a:t>
+              <a:t>INTERFACE GRÁFICA</a:t>
             </a:r>
             <a:endParaRPr/>
           </a:p>
@@ -34130,7 +34568,7 @@
       </p:sp>
       <p:sp>
         <p:nvSpPr>
-          <p:cNvPr id="346" name="Google Shape;346;p4"/>
+          <p:cNvPr id="352" name="Google Shape;352;ge264361766_0_5"/>
           <p:cNvSpPr txBox="1"/>
           <p:nvPr>
             <p:ph idx="1" type="body"/>
@@ -34138,111 +34576,96 @@
         </p:nvSpPr>
         <p:spPr>
           <a:xfrm>
-            <a:off x="1141412" y="1851921"/>
-            <a:ext cx="9905999" cy="4608513"/>
+            <a:off x="1141437" y="2249487"/>
+            <a:ext cx="9906000" cy="3541800"/>
           </a:xfrm>
           <a:prstGeom prst="rect">
             <a:avLst/>
           </a:prstGeom>
-          <a:noFill/>
-          <a:ln>
-            <a:noFill/>
-          </a:ln>
         </p:spPr>
         <p:txBody>
           <a:bodyPr anchorCtr="0" anchor="t" bIns="45700" lIns="91425" spcFirstLastPara="1" rIns="91425" wrap="square" tIns="45700">
-            <a:normAutofit/>
+            <a:normAutofit fontScale="85000" lnSpcReduction="20000"/>
           </a:bodyPr>
           <a:lstStyle/>
           <a:p>
-            <a:pPr indent="-228600" lvl="0" marL="228600" rtl="0" algn="l">
-              <a:lnSpc>
-                <a:spcPct val="120000"/>
-              </a:lnSpc>
-              <a:spcBef>
-                <a:spcPts val="0"/>
-              </a:spcBef>
-              <a:spcAft>
-                <a:spcPts val="0"/>
-              </a:spcAft>
-              <a:buClr>
-                <a:schemeClr val="lt1"/>
-              </a:buClr>
-              <a:buSzPts val="3000"/>
+            <a:pPr indent="-350043" lvl="0" marL="457200" rtl="0" algn="l">
+              <a:spcBef>
+                <a:spcPts val="1000"/>
+              </a:spcBef>
+              <a:spcAft>
+                <a:spcPts val="0"/>
+              </a:spcAft>
+              <a:buSzPct val="93750"/>
               <a:buChar char="•"/>
             </a:pPr>
             <a:r>
               <a:rPr lang="pt-BR"/>
-              <a:t> A cada bala atirada, caso o jogador não acerte um submarino, é subtraído 100 pontos de seu score. Caso ele acerte um submarino será somado 1000 pontos ao seu score.</a:t>
+              <a:t>A biblioteca LIBGDX foi utilizada como recurso para gerar a interface gráfica. Essa é uma biblioteca muito versátil, permitindo gerar animações, imagens, áudios e muito mais, com apenas algumas linhas de código.</a:t>
             </a:r>
             <a:endParaRPr/>
           </a:p>
           <a:p>
-            <a:pPr indent="-228600" lvl="0" marL="228600" rtl="0" algn="l">
-              <a:lnSpc>
-                <a:spcPct val="120000"/>
-              </a:lnSpc>
+            <a:pPr indent="0" lvl="0" marL="0" rtl="0" algn="l">
               <a:spcBef>
                 <a:spcPts val="1000"/>
               </a:spcBef>
               <a:spcAft>
                 <a:spcPts val="0"/>
               </a:spcAft>
-              <a:buClr>
-                <a:schemeClr val="lt1"/>
-              </a:buClr>
-              <a:buSzPts val="3000"/>
+              <a:buNone/>
+            </a:pPr>
+            <a:r>
+              <a:t/>
+            </a:r>
+            <a:endParaRPr/>
+          </a:p>
+          <a:p>
+            <a:pPr indent="-350043" lvl="0" marL="457200" rtl="0" algn="l">
+              <a:spcBef>
+                <a:spcPts val="1000"/>
+              </a:spcBef>
+              <a:spcAft>
+                <a:spcPts val="0"/>
+              </a:spcAft>
+              <a:buSzPct val="93750"/>
               <a:buChar char="•"/>
             </a:pPr>
             <a:r>
               <a:rPr lang="pt-BR"/>
-              <a:t>A cada submarino derrubado, o jogador recebe novas balas de canhão, e mais uma bonificação de 1000 pontos.</a:t>
+              <a:t>O Pattern Observer foi utilizado na comunicação com a interface gráfica para alterar o estado do display quando o player clicasse em um botão específico, por exemplo. </a:t>
             </a:r>
             <a:endParaRPr/>
           </a:p>
           <a:p>
-            <a:pPr indent="-228600" lvl="0" marL="228600" rtl="0" algn="l">
-              <a:lnSpc>
-                <a:spcPct val="120000"/>
-              </a:lnSpc>
+            <a:pPr indent="0" lvl="0" marL="0" rtl="0" algn="l">
               <a:spcBef>
                 <a:spcPts val="1000"/>
               </a:spcBef>
               <a:spcAft>
                 <a:spcPts val="0"/>
               </a:spcAft>
-              <a:buClr>
-                <a:schemeClr val="lt1"/>
-              </a:buClr>
-              <a:buSzPts val="3000"/>
+              <a:buNone/>
+            </a:pPr>
+            <a:r>
+              <a:t/>
+            </a:r>
+            <a:endParaRPr/>
+          </a:p>
+          <a:p>
+            <a:pPr indent="-350043" lvl="0" marL="457200" rtl="0" algn="l">
+              <a:spcBef>
+                <a:spcPts val="1000"/>
+              </a:spcBef>
+              <a:spcAft>
+                <a:spcPts val="0"/>
+              </a:spcAft>
+              <a:buSzPct val="93750"/>
               <a:buChar char="•"/>
             </a:pPr>
             <a:r>
               <a:rPr lang="pt-BR"/>
-              <a:t>O jogo é ganho caso todos os submarinos sejam abatidos, então é mostrado uma mensagem de parabéns e o score atual.</a:t>
-            </a:r>
-            <a:endParaRPr/>
-          </a:p>
-          <a:p>
-            <a:pPr indent="-228600" lvl="0" marL="228600" rtl="0" algn="l">
-              <a:lnSpc>
-                <a:spcPct val="120000"/>
-              </a:lnSpc>
-              <a:spcBef>
-                <a:spcPts val="1000"/>
-              </a:spcBef>
-              <a:spcAft>
-                <a:spcPts val="0"/>
-              </a:spcAft>
-              <a:buClr>
-                <a:schemeClr val="lt1"/>
-              </a:buClr>
-              <a:buSzPts val="3000"/>
-              <a:buChar char="•"/>
-            </a:pPr>
-            <a:r>
-              <a:rPr lang="pt-BR"/>
-              <a:t>Caso as balas acabem antes do submarino, o jogo acaba e é mostrado uma mensagem de tente novamente, juntamente com o score do jogador</a:t>
+              <a:t>A seguir seguem alguns recortes e imagens da interface gráfica construída com a biblioteca LIBGDX. </a:t>
             </a:r>
             <a:endParaRPr/>
           </a:p>
@@ -34261,226 +34684,6 @@
   <p:cSld>
     <p:spTree>
       <p:nvGrpSpPr>
-        <p:cNvPr id="350" name="Shape 350"/>
-        <p:cNvGrpSpPr/>
-        <p:nvPr/>
-      </p:nvGrpSpPr>
-      <p:grpSpPr>
-        <a:xfrm>
-          <a:off x="0" y="0"/>
-          <a:ext cx="0" cy="0"/>
-          <a:chOff x="0" y="0"/>
-          <a:chExt cx="0" cy="0"/>
-        </a:xfrm>
-      </p:grpSpPr>
-      <p:sp>
-        <p:nvSpPr>
-          <p:cNvPr id="351" name="Google Shape;351;p5"/>
-          <p:cNvSpPr txBox="1"/>
-          <p:nvPr>
-            <p:ph type="title"/>
-          </p:nvPr>
-        </p:nvSpPr>
-        <p:spPr>
-          <a:xfrm>
-            <a:off x="1141413" y="618518"/>
-            <a:ext cx="9905998" cy="1478570"/>
-          </a:xfrm>
-          <a:prstGeom prst="rect">
-            <a:avLst/>
-          </a:prstGeom>
-          <a:noFill/>
-          <a:ln>
-            <a:noFill/>
-          </a:ln>
-        </p:spPr>
-        <p:txBody>
-          <a:bodyPr anchorCtr="0" anchor="ctr" bIns="45700" lIns="91425" spcFirstLastPara="1" rIns="91425" wrap="square" tIns="45700">
-            <a:normAutofit/>
-          </a:bodyPr>
-          <a:lstStyle/>
-          <a:p>
-            <a:pPr indent="0" lvl="0" marL="0" rtl="0" algn="ctr">
-              <a:lnSpc>
-                <a:spcPct val="90000"/>
-              </a:lnSpc>
-              <a:spcBef>
-                <a:spcPts val="0"/>
-              </a:spcBef>
-              <a:spcAft>
-                <a:spcPts val="0"/>
-              </a:spcAft>
-              <a:buClr>
-                <a:schemeClr val="lt1"/>
-              </a:buClr>
-              <a:buSzPts val="3600"/>
-              <a:buFont typeface="Twentieth Century"/>
-              <a:buNone/>
-            </a:pPr>
-            <a:r>
-              <a:rPr lang="pt-BR"/>
-              <a:t>PARÂMETROS INICIAIS</a:t>
-            </a:r>
-            <a:endParaRPr/>
-          </a:p>
-        </p:txBody>
-      </p:sp>
-      <p:sp>
-        <p:nvSpPr>
-          <p:cNvPr id="352" name="Google Shape;352;p5"/>
-          <p:cNvSpPr txBox="1"/>
-          <p:nvPr>
-            <p:ph idx="1" type="body"/>
-          </p:nvPr>
-        </p:nvSpPr>
-        <p:spPr>
-          <a:xfrm>
-            <a:off x="1141412" y="2249487"/>
-            <a:ext cx="9905999" cy="3541714"/>
-          </a:xfrm>
-          <a:prstGeom prst="rect">
-            <a:avLst/>
-          </a:prstGeom>
-          <a:noFill/>
-          <a:ln>
-            <a:noFill/>
-          </a:ln>
-        </p:spPr>
-        <p:txBody>
-          <a:bodyPr anchorCtr="0" anchor="t" bIns="45700" lIns="91425" spcFirstLastPara="1" rIns="91425" wrap="square" tIns="45700">
-            <a:normAutofit/>
-          </a:bodyPr>
-          <a:lstStyle/>
-          <a:p>
-            <a:pPr indent="-228600" lvl="0" marL="228600" rtl="0" algn="l">
-              <a:lnSpc>
-                <a:spcPct val="120000"/>
-              </a:lnSpc>
-              <a:spcBef>
-                <a:spcPts val="0"/>
-              </a:spcBef>
-              <a:spcAft>
-                <a:spcPts val="0"/>
-              </a:spcAft>
-              <a:buClr>
-                <a:schemeClr val="lt1"/>
-              </a:buClr>
-              <a:buSzPts val="3000"/>
-              <a:buChar char="•"/>
-            </a:pPr>
-            <a:r>
-              <a:rPr lang="pt-BR"/>
-              <a:t>Tamanho do mar: 100 unidades (campo 10x10)</a:t>
-            </a:r>
-            <a:endParaRPr/>
-          </a:p>
-          <a:p>
-            <a:pPr indent="-228600" lvl="0" marL="228600" rtl="0" algn="l">
-              <a:lnSpc>
-                <a:spcPct val="120000"/>
-              </a:lnSpc>
-              <a:spcBef>
-                <a:spcPts val="1000"/>
-              </a:spcBef>
-              <a:spcAft>
-                <a:spcPts val="0"/>
-              </a:spcAft>
-              <a:buClr>
-                <a:schemeClr val="lt1"/>
-              </a:buClr>
-              <a:buSzPts val="3000"/>
-              <a:buChar char="•"/>
-            </a:pPr>
-            <a:r>
-              <a:rPr lang="pt-BR"/>
-              <a:t>Numero de submarinos: 5, cada um 1 unidade menor que o anterior, tendo o primeiro tamanho cinco</a:t>
-            </a:r>
-            <a:endParaRPr/>
-          </a:p>
-          <a:p>
-            <a:pPr indent="-228600" lvl="0" marL="228600" rtl="0" algn="l">
-              <a:lnSpc>
-                <a:spcPct val="120000"/>
-              </a:lnSpc>
-              <a:spcBef>
-                <a:spcPts val="1000"/>
-              </a:spcBef>
-              <a:spcAft>
-                <a:spcPts val="0"/>
-              </a:spcAft>
-              <a:buClr>
-                <a:schemeClr val="lt1"/>
-              </a:buClr>
-              <a:buSzPts val="3000"/>
-              <a:buChar char="•"/>
-            </a:pPr>
-            <a:r>
-              <a:rPr lang="pt-BR"/>
-              <a:t>Numero de balas iniciais: 20</a:t>
-            </a:r>
-            <a:endParaRPr/>
-          </a:p>
-          <a:p>
-            <a:pPr indent="-228600" lvl="0" marL="228600" rtl="0" algn="l">
-              <a:lnSpc>
-                <a:spcPct val="120000"/>
-              </a:lnSpc>
-              <a:spcBef>
-                <a:spcPts val="1000"/>
-              </a:spcBef>
-              <a:spcAft>
-                <a:spcPts val="0"/>
-              </a:spcAft>
-              <a:buClr>
-                <a:schemeClr val="lt1"/>
-              </a:buClr>
-              <a:buSzPts val="3000"/>
-              <a:buChar char="•"/>
-            </a:pPr>
-            <a:r>
-              <a:rPr lang="pt-BR"/>
-              <a:t>Score inicial: 1000</a:t>
-            </a:r>
-            <a:endParaRPr/>
-          </a:p>
-          <a:p>
-            <a:pPr indent="-228600" lvl="0" marL="228600" rtl="0" algn="l">
-              <a:lnSpc>
-                <a:spcPct val="120000"/>
-              </a:lnSpc>
-              <a:spcBef>
-                <a:spcPts val="1000"/>
-              </a:spcBef>
-              <a:spcAft>
-                <a:spcPts val="0"/>
-              </a:spcAft>
-              <a:buClr>
-                <a:schemeClr val="lt1"/>
-              </a:buClr>
-              <a:buSzPts val="3000"/>
-              <a:buChar char="•"/>
-            </a:pPr>
-            <a:r>
-              <a:rPr lang="pt-BR"/>
-              <a:t>Bonificação a cada barco derrubado, 2 balas.</a:t>
-            </a:r>
-            <a:endParaRPr/>
-          </a:p>
-        </p:txBody>
-      </p:sp>
-    </p:spTree>
-  </p:cSld>
-  <p:clrMapOvr>
-    <a:masterClrMapping/>
-  </p:clrMapOvr>
-</p:sld>
-</file>
-
-<file path=ppt/slides/slide6.xml><?xml version="1.0" encoding="utf-8"?>
-<p:sld xmlns:a="http://schemas.openxmlformats.org/drawingml/2006/main" xmlns:r="http://schemas.openxmlformats.org/officeDocument/2006/relationships" xmlns:mc="http://schemas.openxmlformats.org/markup-compatibility/2006" xmlns:mv="urn:schemas-microsoft-com:mac:vml" xmlns:p="http://schemas.openxmlformats.org/presentationml/2006/main" xmlns:c="http://schemas.openxmlformats.org/drawingml/2006/chart" xmlns:dgm="http://schemas.openxmlformats.org/drawingml/2006/diagram" xmlns:o="urn:schemas-microsoft-com:office:office" xmlns:v="urn:schemas-microsoft-com:vml" xmlns:pvml="urn:schemas-microsoft-com:office:powerpoint" xmlns:com="http://schemas.openxmlformats.org/drawingml/2006/compatibility" xmlns:p14="http://schemas.microsoft.com/office/powerpoint/2010/main" xmlns:p15="http://schemas.microsoft.com/office/powerpoint/2012/main" xmlns:ahyp="http://schemas.microsoft.com/office/drawing/2018/hyperlinkcolor">
-  <p:cSld>
-    <p:spTree>
-      <p:nvGrpSpPr>
         <p:cNvPr id="357" name="Shape 357"/>
         <p:cNvGrpSpPr/>
         <p:nvPr/>
@@ -34495,23 +34698,23 @@
       </p:grpSpPr>
       <p:sp>
         <p:nvSpPr>
-          <p:cNvPr id="358" name="Google Shape;358;gdd003d618d_1_0"/>
+          <p:cNvPr id="358" name="Google Shape;358;ge264361766_0_21"/>
           <p:cNvSpPr txBox="1"/>
           <p:nvPr>
-            <p:ph type="ctrTitle"/>
+            <p:ph type="title"/>
           </p:nvPr>
         </p:nvSpPr>
         <p:spPr>
           <a:xfrm>
-            <a:off x="1876424" y="1122363"/>
-            <a:ext cx="8791500" cy="2387700"/>
+            <a:off x="920413" y="538793"/>
+            <a:ext cx="9906000" cy="1478700"/>
           </a:xfrm>
           <a:prstGeom prst="rect">
             <a:avLst/>
           </a:prstGeom>
         </p:spPr>
         <p:txBody>
-          <a:bodyPr anchorCtr="0" anchor="b" bIns="45700" lIns="91425" spcFirstLastPara="1" rIns="91425" wrap="square" tIns="45700">
+          <a:bodyPr anchorCtr="0" anchor="ctr" bIns="45700" lIns="91425" spcFirstLastPara="1" rIns="91425" wrap="square" tIns="45700">
             <a:normAutofit/>
           </a:bodyPr>
           <a:lstStyle/>
@@ -34534,16 +34737,16 @@
       </p:sp>
       <p:sp>
         <p:nvSpPr>
-          <p:cNvPr id="359" name="Google Shape;359;gdd003d618d_1_0"/>
+          <p:cNvPr id="359" name="Google Shape;359;ge264361766_0_21"/>
           <p:cNvSpPr txBox="1"/>
           <p:nvPr>
-            <p:ph idx="1" type="subTitle"/>
+            <p:ph idx="1" type="body"/>
           </p:nvPr>
         </p:nvSpPr>
         <p:spPr>
           <a:xfrm>
-            <a:off x="1876424" y="3602038"/>
-            <a:ext cx="8791500" cy="1655700"/>
+            <a:off x="1143000" y="2169762"/>
+            <a:ext cx="9906000" cy="3541800"/>
           </a:xfrm>
           <a:prstGeom prst="rect">
             <a:avLst/>
@@ -34573,7 +34776,7 @@
       </p:sp>
       <p:pic>
         <p:nvPicPr>
-          <p:cNvPr id="360" name="Google Shape;360;gdd003d618d_1_0"/>
+          <p:cNvPr id="360" name="Google Shape;360;ge264361766_0_21"/>
           <p:cNvPicPr preferRelativeResize="0"/>
           <p:nvPr/>
         </p:nvPicPr>
@@ -34587,8 +34790,92 @@
         </p:blipFill>
         <p:spPr>
           <a:xfrm>
-            <a:off x="2138350" y="633400"/>
-            <a:ext cx="7915275" cy="5591175"/>
+            <a:off x="668550" y="106950"/>
+            <a:ext cx="5512426" cy="3268725"/>
+          </a:xfrm>
+          <a:prstGeom prst="rect">
+            <a:avLst/>
+          </a:prstGeom>
+          <a:noFill/>
+          <a:ln>
+            <a:noFill/>
+          </a:ln>
+        </p:spPr>
+      </p:pic>
+      <p:pic>
+        <p:nvPicPr>
+          <p:cNvPr id="361" name="Google Shape;361;ge264361766_0_21"/>
+          <p:cNvPicPr preferRelativeResize="0"/>
+          <p:nvPr/>
+        </p:nvPicPr>
+        <p:blipFill>
+          <a:blip r:embed="rId4">
+            <a:alphaModFix/>
+          </a:blip>
+          <a:stretch>
+            <a:fillRect/>
+          </a:stretch>
+        </p:blipFill>
+        <p:spPr>
+          <a:xfrm>
+            <a:off x="6180975" y="106949"/>
+            <a:ext cx="5342450" cy="3268726"/>
+          </a:xfrm>
+          <a:prstGeom prst="rect">
+            <a:avLst/>
+          </a:prstGeom>
+          <a:noFill/>
+          <a:ln>
+            <a:noFill/>
+          </a:ln>
+        </p:spPr>
+      </p:pic>
+      <p:pic>
+        <p:nvPicPr>
+          <p:cNvPr id="362" name="Google Shape;362;ge264361766_0_21"/>
+          <p:cNvPicPr preferRelativeResize="0"/>
+          <p:nvPr/>
+        </p:nvPicPr>
+        <p:blipFill>
+          <a:blip r:embed="rId5">
+            <a:alphaModFix/>
+          </a:blip>
+          <a:stretch>
+            <a:fillRect/>
+          </a:stretch>
+        </p:blipFill>
+        <p:spPr>
+          <a:xfrm>
+            <a:off x="668562" y="3375675"/>
+            <a:ext cx="5512424" cy="3375376"/>
+          </a:xfrm>
+          <a:prstGeom prst="rect">
+            <a:avLst/>
+          </a:prstGeom>
+          <a:noFill/>
+          <a:ln>
+            <a:noFill/>
+          </a:ln>
+        </p:spPr>
+      </p:pic>
+      <p:pic>
+        <p:nvPicPr>
+          <p:cNvPr id="363" name="Google Shape;363;ge264361766_0_21"/>
+          <p:cNvPicPr preferRelativeResize="0"/>
+          <p:nvPr/>
+        </p:nvPicPr>
+        <p:blipFill>
+          <a:blip r:embed="rId6">
+            <a:alphaModFix/>
+          </a:blip>
+          <a:stretch>
+            <a:fillRect/>
+          </a:stretch>
+        </p:blipFill>
+        <p:spPr>
+          <a:xfrm>
+            <a:off x="6180975" y="3375675"/>
+            <a:ext cx="5342451" cy="3375375"/>
           </a:xfrm>
           <a:prstGeom prst="rect">
             <a:avLst/>
@@ -34607,7 +34894,509 @@
 </p:sld>
 </file>
 
+<file path=ppt/slides/slide6.xml><?xml version="1.0" encoding="utf-8"?>
+<p:sld xmlns:a="http://schemas.openxmlformats.org/drawingml/2006/main" xmlns:r="http://schemas.openxmlformats.org/officeDocument/2006/relationships" xmlns:mc="http://schemas.openxmlformats.org/markup-compatibility/2006" xmlns:mv="urn:schemas-microsoft-com:mac:vml" xmlns:p="http://schemas.openxmlformats.org/presentationml/2006/main" xmlns:c="http://schemas.openxmlformats.org/drawingml/2006/chart" xmlns:dgm="http://schemas.openxmlformats.org/drawingml/2006/diagram" xmlns:o="urn:schemas-microsoft-com:office:office" xmlns:v="urn:schemas-microsoft-com:vml" xmlns:pvml="urn:schemas-microsoft-com:office:powerpoint" xmlns:com="http://schemas.openxmlformats.org/drawingml/2006/compatibility" xmlns:p14="http://schemas.microsoft.com/office/powerpoint/2010/main" xmlns:p15="http://schemas.microsoft.com/office/powerpoint/2012/main" xmlns:ahyp="http://schemas.microsoft.com/office/drawing/2018/hyperlinkcolor">
+  <p:cSld>
+    <p:spTree>
+      <p:nvGrpSpPr>
+        <p:cNvPr id="368" name="Shape 368"/>
+        <p:cNvGrpSpPr/>
+        <p:nvPr/>
+      </p:nvGrpSpPr>
+      <p:grpSpPr>
+        <a:xfrm>
+          <a:off x="0" y="0"/>
+          <a:ext cx="0" cy="0"/>
+          <a:chOff x="0" y="0"/>
+          <a:chExt cx="0" cy="0"/>
+        </a:xfrm>
+      </p:grpSpPr>
+      <p:sp>
+        <p:nvSpPr>
+          <p:cNvPr id="369" name="Google Shape;369;ge28d6856fd_0_22"/>
+          <p:cNvSpPr txBox="1"/>
+          <p:nvPr>
+            <p:ph type="title"/>
+          </p:nvPr>
+        </p:nvSpPr>
+        <p:spPr>
+          <a:xfrm>
+            <a:off x="1141413" y="618518"/>
+            <a:ext cx="9906000" cy="1478700"/>
+          </a:xfrm>
+          <a:prstGeom prst="rect">
+            <a:avLst/>
+          </a:prstGeom>
+        </p:spPr>
+        <p:txBody>
+          <a:bodyPr anchorCtr="0" anchor="ctr" bIns="45700" lIns="91425" spcFirstLastPara="1" rIns="91425" wrap="square" tIns="45700">
+            <a:normAutofit/>
+          </a:bodyPr>
+          <a:lstStyle/>
+          <a:p>
+            <a:pPr indent="0" lvl="0" marL="0" rtl="0" algn="l">
+              <a:spcBef>
+                <a:spcPts val="0"/>
+              </a:spcBef>
+              <a:spcAft>
+                <a:spcPts val="0"/>
+              </a:spcAft>
+              <a:buNone/>
+            </a:pPr>
+            <a:r>
+              <a:rPr lang="pt-BR"/>
+              <a:t>Aprendizados &amp; Planos Futuros</a:t>
+            </a:r>
+            <a:endParaRPr/>
+          </a:p>
+        </p:txBody>
+      </p:sp>
+      <p:sp>
+        <p:nvSpPr>
+          <p:cNvPr id="370" name="Google Shape;370;ge28d6856fd_0_22"/>
+          <p:cNvSpPr txBox="1"/>
+          <p:nvPr>
+            <p:ph idx="1" type="body"/>
+          </p:nvPr>
+        </p:nvSpPr>
+        <p:spPr>
+          <a:xfrm>
+            <a:off x="1141412" y="2249487"/>
+            <a:ext cx="9906000" cy="3541800"/>
+          </a:xfrm>
+          <a:prstGeom prst="rect">
+            <a:avLst/>
+          </a:prstGeom>
+        </p:spPr>
+        <p:txBody>
+          <a:bodyPr anchorCtr="0" anchor="t" bIns="45700" lIns="91425" spcFirstLastPara="1" rIns="91425" wrap="square" tIns="45700">
+            <a:normAutofit fontScale="70000" lnSpcReduction="20000"/>
+          </a:bodyPr>
+          <a:lstStyle/>
+          <a:p>
+            <a:pPr indent="-328612" lvl="0" marL="457200" rtl="0" algn="l">
+              <a:spcBef>
+                <a:spcPts val="1000"/>
+              </a:spcBef>
+              <a:spcAft>
+                <a:spcPts val="0"/>
+              </a:spcAft>
+              <a:buSzPct val="93750"/>
+              <a:buChar char="•"/>
+            </a:pPr>
+            <a:r>
+              <a:rPr lang="pt-BR"/>
+              <a:t>Um dos desafios foi a organização do tempo e a conciliação da LIBGDX com a nossa arquitetura.</a:t>
+            </a:r>
+            <a:endParaRPr/>
+          </a:p>
+          <a:p>
+            <a:pPr indent="0" lvl="0" marL="457200" rtl="0" algn="l">
+              <a:spcBef>
+                <a:spcPts val="1000"/>
+              </a:spcBef>
+              <a:spcAft>
+                <a:spcPts val="0"/>
+              </a:spcAft>
+              <a:buNone/>
+            </a:pPr>
+            <a:r>
+              <a:rPr lang="pt-BR"/>
+              <a:t> </a:t>
+            </a:r>
+            <a:endParaRPr/>
+          </a:p>
+          <a:p>
+            <a:pPr indent="-328612" lvl="0" marL="457200" rtl="0" algn="l">
+              <a:spcBef>
+                <a:spcPts val="1000"/>
+              </a:spcBef>
+              <a:spcAft>
+                <a:spcPts val="0"/>
+              </a:spcAft>
+              <a:buSzPct val="93750"/>
+              <a:buChar char="•"/>
+            </a:pPr>
+            <a:r>
+              <a:rPr lang="pt-BR"/>
+              <a:t>Um ponto forte do nosso jogo foi </a:t>
+            </a:r>
+            <a:r>
+              <a:rPr lang="pt-BR"/>
+              <a:t>a utilizar biblioteca LIBGDX para criar uma rica interface gráfica </a:t>
+            </a:r>
+            <a:endParaRPr/>
+          </a:p>
+          <a:p>
+            <a:pPr indent="0" lvl="0" marL="0" rtl="0" algn="l">
+              <a:spcBef>
+                <a:spcPts val="1000"/>
+              </a:spcBef>
+              <a:spcAft>
+                <a:spcPts val="0"/>
+              </a:spcAft>
+              <a:buNone/>
+            </a:pPr>
+            <a:r>
+              <a:t/>
+            </a:r>
+            <a:endParaRPr/>
+          </a:p>
+          <a:p>
+            <a:pPr indent="-328612" lvl="0" marL="457200" rtl="0" algn="l">
+              <a:spcBef>
+                <a:spcPts val="1000"/>
+              </a:spcBef>
+              <a:spcAft>
+                <a:spcPts val="0"/>
+              </a:spcAft>
+              <a:buSzPct val="93750"/>
+              <a:buChar char="•"/>
+            </a:pPr>
+            <a:r>
+              <a:rPr lang="pt-BR"/>
+              <a:t>Outro ponto forte do nosso jogo foram as artes autorais, animações e sons inspirados nos clássicos jogos 8-bit.</a:t>
+            </a:r>
+            <a:endParaRPr/>
+          </a:p>
+          <a:p>
+            <a:pPr indent="0" lvl="0" marL="457200" rtl="0" algn="l">
+              <a:spcBef>
+                <a:spcPts val="1000"/>
+              </a:spcBef>
+              <a:spcAft>
+                <a:spcPts val="0"/>
+              </a:spcAft>
+              <a:buNone/>
+            </a:pPr>
+            <a:r>
+              <a:rPr lang="pt-BR"/>
+              <a:t> </a:t>
+            </a:r>
+            <a:endParaRPr/>
+          </a:p>
+          <a:p>
+            <a:pPr indent="-328612" lvl="0" marL="457200" rtl="0" algn="l">
+              <a:spcBef>
+                <a:spcPts val="1000"/>
+              </a:spcBef>
+              <a:spcAft>
+                <a:spcPts val="0"/>
+              </a:spcAft>
+              <a:buSzPct val="93750"/>
+              <a:buChar char="•"/>
+            </a:pPr>
+            <a:r>
+              <a:rPr lang="pt-BR"/>
+              <a:t>Pensando no futuro do jogo temos como meta inserir features que ficaram de fora e fazer maior uso da LIBGDX com o objetivo de permitir a compatibilidade do jogo com o sistema mobile Android.</a:t>
+            </a:r>
+            <a:endParaRPr/>
+          </a:p>
+          <a:p>
+            <a:pPr indent="0" lvl="0" marL="457200" rtl="0" algn="l">
+              <a:spcBef>
+                <a:spcPts val="1000"/>
+              </a:spcBef>
+              <a:spcAft>
+                <a:spcPts val="0"/>
+              </a:spcAft>
+              <a:buNone/>
+            </a:pPr>
+            <a:r>
+              <a:t/>
+            </a:r>
+            <a:endParaRPr/>
+          </a:p>
+        </p:txBody>
+      </p:sp>
+    </p:spTree>
+  </p:cSld>
+  <p:clrMapOvr>
+    <a:masterClrMapping/>
+  </p:clrMapOvr>
+</p:sld>
+</file>
+
 <file path=ppt/theme/theme1.xml><?xml version="1.0" encoding="utf-8"?>
+<a:theme xmlns:a="http://schemas.openxmlformats.org/drawingml/2006/main" xmlns:r="http://schemas.openxmlformats.org/officeDocument/2006/relationships" name="Tema do Office">
+  <a:themeElements>
+    <a:clrScheme name="Office">
+      <a:dk1>
+        <a:srgbClr val="000000"/>
+      </a:dk1>
+      <a:lt1>
+        <a:srgbClr val="FFFFFF"/>
+      </a:lt1>
+      <a:dk2>
+        <a:srgbClr val="44546A"/>
+      </a:dk2>
+      <a:lt2>
+        <a:srgbClr val="E7E6E6"/>
+      </a:lt2>
+      <a:accent1>
+        <a:srgbClr val="4472C4"/>
+      </a:accent1>
+      <a:accent2>
+        <a:srgbClr val="ED7D31"/>
+      </a:accent2>
+      <a:accent3>
+        <a:srgbClr val="A5A5A5"/>
+      </a:accent3>
+      <a:accent4>
+        <a:srgbClr val="FFC000"/>
+      </a:accent4>
+      <a:accent5>
+        <a:srgbClr val="5B9BD5"/>
+      </a:accent5>
+      <a:accent6>
+        <a:srgbClr val="70AD47"/>
+      </a:accent6>
+      <a:hlink>
+        <a:srgbClr val="0563C1"/>
+      </a:hlink>
+      <a:folHlink>
+        <a:srgbClr val="954F72"/>
+      </a:folHlink>
+    </a:clrScheme>
+    <a:fontScheme name="Office">
+      <a:majorFont>
+        <a:latin typeface="Arial"/>
+        <a:ea typeface=""/>
+        <a:cs typeface=""/>
+        <a:font script="Jpan" typeface="ＭＳ Ｐゴシック"/>
+        <a:font script="Hang" typeface="맑은 고딕"/>
+        <a:font script="Hans" typeface="宋体"/>
+        <a:font script="Hant" typeface="新細明體"/>
+        <a:font script="Arab" typeface="Times New Roman"/>
+        <a:font script="Hebr" typeface="Times New Roman"/>
+        <a:font script="Thai" typeface="Angsana New"/>
+        <a:font script="Ethi" typeface="Nyala"/>
+        <a:font script="Beng" typeface="Vrinda"/>
+        <a:font script="Gujr" typeface="Shruti"/>
+        <a:font script="Khmr" typeface="MoolBoran"/>
+        <a:font script="Knda" typeface="Tunga"/>
+        <a:font script="Guru" typeface="Raavi"/>
+        <a:font script="Cans" typeface="Euphemia"/>
+        <a:font script="Cher" typeface="Plantagenet Cherokee"/>
+        <a:font script="Yiii" typeface="Microsoft Yi Baiti"/>
+        <a:font script="Tibt" typeface="Microsoft Himalaya"/>
+        <a:font script="Thaa" typeface="MV Boli"/>
+        <a:font script="Deva" typeface="Mangal"/>
+        <a:font script="Telu" typeface="Gautami"/>
+        <a:font script="Taml" typeface="Latha"/>
+        <a:font script="Syrc" typeface="Estrangelo Edessa"/>
+        <a:font script="Orya" typeface="Kalinga"/>
+        <a:font script="Mlym" typeface="Kartika"/>
+        <a:font script="Laoo" typeface="DokChampa"/>
+        <a:font script="Sinh" typeface="Iskoola Pota"/>
+        <a:font script="Mong" typeface="Mongolian Baiti"/>
+        <a:font script="Viet" typeface="Times New Roman"/>
+        <a:font script="Uigh" typeface="Microsoft Uighur"/>
+        <a:font script="Geor" typeface="Sylfaen"/>
+      </a:majorFont>
+      <a:minorFont>
+        <a:latin typeface="Arial"/>
+        <a:ea typeface=""/>
+        <a:cs typeface=""/>
+        <a:font script="Jpan" typeface="ＭＳ Ｐゴシック"/>
+        <a:font script="Hang" typeface="맑은 고딕"/>
+        <a:font script="Hans" typeface="宋体"/>
+        <a:font script="Hant" typeface="新細明體"/>
+        <a:font script="Arab" typeface="Arial"/>
+        <a:font script="Hebr" typeface="Arial"/>
+        <a:font script="Thai" typeface="Cordia New"/>
+        <a:font script="Ethi" typeface="Nyala"/>
+        <a:font script="Beng" typeface="Vrinda"/>
+        <a:font script="Gujr" typeface="Shruti"/>
+        <a:font script="Khmr" typeface="DaunPenh"/>
+        <a:font script="Knda" typeface="Tunga"/>
+        <a:font script="Guru" typeface="Raavi"/>
+        <a:font script="Cans" typeface="Euphemia"/>
+        <a:font script="Cher" typeface="Plantagenet Cherokee"/>
+        <a:font script="Yiii" typeface="Microsoft Yi Baiti"/>
+        <a:font script="Tibt" typeface="Microsoft Himalaya"/>
+        <a:font script="Thaa" typeface="MV Boli"/>
+        <a:font script="Deva" typeface="Mangal"/>
+        <a:font script="Telu" typeface="Gautami"/>
+        <a:font script="Taml" typeface="Latha"/>
+        <a:font script="Syrc" typeface="Estrangelo Edessa"/>
+        <a:font script="Orya" typeface="Kalinga"/>
+        <a:font script="Mlym" typeface="Kartika"/>
+        <a:font script="Laoo" typeface="DokChampa"/>
+        <a:font script="Sinh" typeface="Iskoola Pota"/>
+        <a:font script="Mong" typeface="Mongolian Baiti"/>
+        <a:font script="Viet" typeface="Arial"/>
+        <a:font script="Uigh" typeface="Microsoft Uighur"/>
+        <a:font script="Geor" typeface="Sylfaen"/>
+      </a:minorFont>
+    </a:fontScheme>
+    <a:fmtScheme name="Office">
+      <a:fillStyleLst>
+        <a:solidFill>
+          <a:schemeClr val="phClr"/>
+        </a:solidFill>
+        <a:gradFill rotWithShape="1">
+          <a:gsLst>
+            <a:gs pos="0">
+              <a:schemeClr val="phClr">
+                <a:tint val="50000"/>
+                <a:satMod val="300000"/>
+              </a:schemeClr>
+            </a:gs>
+            <a:gs pos="35000">
+              <a:schemeClr val="phClr">
+                <a:tint val="37000"/>
+                <a:satMod val="300000"/>
+              </a:schemeClr>
+            </a:gs>
+            <a:gs pos="100000">
+              <a:schemeClr val="phClr">
+                <a:tint val="15000"/>
+                <a:satMod val="350000"/>
+              </a:schemeClr>
+            </a:gs>
+          </a:gsLst>
+          <a:lin ang="16200000" scaled="1"/>
+        </a:gradFill>
+        <a:gradFill rotWithShape="1">
+          <a:gsLst>
+            <a:gs pos="0">
+              <a:schemeClr val="phClr">
+                <a:tint val="100000"/>
+                <a:shade val="100000"/>
+                <a:satMod val="130000"/>
+              </a:schemeClr>
+            </a:gs>
+            <a:gs pos="100000">
+              <a:schemeClr val="phClr">
+                <a:tint val="50000"/>
+                <a:shade val="100000"/>
+                <a:satMod val="350000"/>
+              </a:schemeClr>
+            </a:gs>
+          </a:gsLst>
+          <a:lin ang="16200000" scaled="0"/>
+        </a:gradFill>
+      </a:fillStyleLst>
+      <a:lnStyleLst>
+        <a:ln w="9525" cap="flat" cmpd="sng" algn="ctr">
+          <a:solidFill>
+            <a:schemeClr val="phClr">
+              <a:shade val="95000"/>
+              <a:satMod val="105000"/>
+            </a:schemeClr>
+          </a:solidFill>
+          <a:prstDash val="solid"/>
+        </a:ln>
+        <a:ln w="25400" cap="flat" cmpd="sng" algn="ctr">
+          <a:solidFill>
+            <a:schemeClr val="phClr"/>
+          </a:solidFill>
+          <a:prstDash val="solid"/>
+        </a:ln>
+        <a:ln w="38100" cap="flat" cmpd="sng" algn="ctr">
+          <a:solidFill>
+            <a:schemeClr val="phClr"/>
+          </a:solidFill>
+          <a:prstDash val="solid"/>
+        </a:ln>
+      </a:lnStyleLst>
+      <a:effectStyleLst>
+        <a:effectStyle>
+          <a:effectLst>
+            <a:outerShdw blurRad="40000" dist="20000" dir="5400000" rotWithShape="0">
+              <a:srgbClr val="000000">
+                <a:alpha val="38000"/>
+              </a:srgbClr>
+            </a:outerShdw>
+          </a:effectLst>
+        </a:effectStyle>
+        <a:effectStyle>
+          <a:effectLst>
+            <a:outerShdw blurRad="40000" dist="23000" dir="5400000" rotWithShape="0">
+              <a:srgbClr val="000000">
+                <a:alpha val="35000"/>
+              </a:srgbClr>
+            </a:outerShdw>
+          </a:effectLst>
+        </a:effectStyle>
+        <a:effectStyle>
+          <a:effectLst>
+            <a:outerShdw blurRad="40000" dist="23000" dir="5400000" rotWithShape="0">
+              <a:srgbClr val="000000">
+                <a:alpha val="35000"/>
+              </a:srgbClr>
+            </a:outerShdw>
+          </a:effectLst>
+          <a:scene3d>
+            <a:camera prst="orthographicFront">
+              <a:rot lat="0" lon="0" rev="0"/>
+            </a:camera>
+            <a:lightRig rig="threePt" dir="t">
+              <a:rot lat="0" lon="0" rev="1200000"/>
+            </a:lightRig>
+          </a:scene3d>
+          <a:sp3d>
+            <a:bevelT w="63500" h="25400"/>
+          </a:sp3d>
+        </a:effectStyle>
+      </a:effectStyleLst>
+      <a:bgFillStyleLst>
+        <a:solidFill>
+          <a:schemeClr val="phClr"/>
+        </a:solidFill>
+        <a:gradFill rotWithShape="1">
+          <a:gsLst>
+            <a:gs pos="0">
+              <a:schemeClr val="phClr">
+                <a:tint val="40000"/>
+                <a:satMod val="350000"/>
+              </a:schemeClr>
+            </a:gs>
+            <a:gs pos="40000">
+              <a:schemeClr val="phClr">
+                <a:tint val="45000"/>
+                <a:shade val="99000"/>
+                <a:satMod val="350000"/>
+              </a:schemeClr>
+            </a:gs>
+            <a:gs pos="100000">
+              <a:schemeClr val="phClr">
+                <a:shade val="20000"/>
+                <a:satMod val="255000"/>
+              </a:schemeClr>
+            </a:gs>
+          </a:gsLst>
+          <a:path path="circle">
+            <a:fillToRect l="50000" t="-80000" r="50000" b="180000"/>
+          </a:path>
+        </a:gradFill>
+        <a:gradFill rotWithShape="1">
+          <a:gsLst>
+            <a:gs pos="0">
+              <a:schemeClr val="phClr">
+                <a:tint val="80000"/>
+                <a:satMod val="300000"/>
+              </a:schemeClr>
+            </a:gs>
+            <a:gs pos="100000">
+              <a:schemeClr val="phClr">
+                <a:shade val="30000"/>
+                <a:satMod val="200000"/>
+              </a:schemeClr>
+            </a:gs>
+          </a:gsLst>
+          <a:path path="circle">
+            <a:fillToRect l="50000" t="50000" r="50000" b="50000"/>
+          </a:path>
+        </a:gradFill>
+      </a:bgFillStyleLst>
+    </a:fmtScheme>
+  </a:themeElements>
+</a:theme>
+</file>
+
+<file path=ppt/theme/theme2.xml><?xml version="1.0" encoding="utf-8"?>
 <a:theme xmlns:a="http://schemas.openxmlformats.org/drawingml/2006/main" xmlns:r="http://schemas.openxmlformats.org/officeDocument/2006/relationships" name="Circuito">
   <a:themeElements>
     <a:clrScheme name="Circuit">
@@ -34884,283 +35673,4 @@
     </a:fmtScheme>
   </a:themeElements>
 </a:theme>
-</file>
-
-<file path=ppt/theme/theme2.xml><?xml version="1.0" encoding="utf-8"?>
-<a:theme xmlns:a="http://schemas.openxmlformats.org/drawingml/2006/main" xmlns:r="http://schemas.openxmlformats.org/officeDocument/2006/relationships" name="Tema do Office">
-  <a:themeElements>
-    <a:clrScheme name="Office">
-      <a:dk1>
-        <a:srgbClr val="000000"/>
-      </a:dk1>
-      <a:lt1>
-        <a:srgbClr val="FFFFFF"/>
-      </a:lt1>
-      <a:dk2>
-        <a:srgbClr val="44546A"/>
-      </a:dk2>
-      <a:lt2>
-        <a:srgbClr val="E7E6E6"/>
-      </a:lt2>
-      <a:accent1>
-        <a:srgbClr val="4472C4"/>
-      </a:accent1>
-      <a:accent2>
-        <a:srgbClr val="ED7D31"/>
-      </a:accent2>
-      <a:accent3>
-        <a:srgbClr val="A5A5A5"/>
-      </a:accent3>
-      <a:accent4>
-        <a:srgbClr val="FFC000"/>
-      </a:accent4>
-      <a:accent5>
-        <a:srgbClr val="5B9BD5"/>
-      </a:accent5>
-      <a:accent6>
-        <a:srgbClr val="70AD47"/>
-      </a:accent6>
-      <a:hlink>
-        <a:srgbClr val="0563C1"/>
-      </a:hlink>
-      <a:folHlink>
-        <a:srgbClr val="954F72"/>
-      </a:folHlink>
-    </a:clrScheme>
-    <a:fontScheme name="Office">
-      <a:majorFont>
-        <a:latin typeface="Arial"/>
-        <a:ea typeface=""/>
-        <a:cs typeface=""/>
-        <a:font script="Jpan" typeface="ＭＳ Ｐゴシック"/>
-        <a:font script="Hang" typeface="맑은 고딕"/>
-        <a:font script="Hans" typeface="宋体"/>
-        <a:font script="Hant" typeface="新細明體"/>
-        <a:font script="Arab" typeface="Times New Roman"/>
-        <a:font script="Hebr" typeface="Times New Roman"/>
-        <a:font script="Thai" typeface="Angsana New"/>
-        <a:font script="Ethi" typeface="Nyala"/>
-        <a:font script="Beng" typeface="Vrinda"/>
-        <a:font script="Gujr" typeface="Shruti"/>
-        <a:font script="Khmr" typeface="MoolBoran"/>
-        <a:font script="Knda" typeface="Tunga"/>
-        <a:font script="Guru" typeface="Raavi"/>
-        <a:font script="Cans" typeface="Euphemia"/>
-        <a:font script="Cher" typeface="Plantagenet Cherokee"/>
-        <a:font script="Yiii" typeface="Microsoft Yi Baiti"/>
-        <a:font script="Tibt" typeface="Microsoft Himalaya"/>
-        <a:font script="Thaa" typeface="MV Boli"/>
-        <a:font script="Deva" typeface="Mangal"/>
-        <a:font script="Telu" typeface="Gautami"/>
-        <a:font script="Taml" typeface="Latha"/>
-        <a:font script="Syrc" typeface="Estrangelo Edessa"/>
-        <a:font script="Orya" typeface="Kalinga"/>
-        <a:font script="Mlym" typeface="Kartika"/>
-        <a:font script="Laoo" typeface="DokChampa"/>
-        <a:font script="Sinh" typeface="Iskoola Pota"/>
-        <a:font script="Mong" typeface="Mongolian Baiti"/>
-        <a:font script="Viet" typeface="Times New Roman"/>
-        <a:font script="Uigh" typeface="Microsoft Uighur"/>
-        <a:font script="Geor" typeface="Sylfaen"/>
-      </a:majorFont>
-      <a:minorFont>
-        <a:latin typeface="Arial"/>
-        <a:ea typeface=""/>
-        <a:cs typeface=""/>
-        <a:font script="Jpan" typeface="ＭＳ Ｐゴシック"/>
-        <a:font script="Hang" typeface="맑은 고딕"/>
-        <a:font script="Hans" typeface="宋体"/>
-        <a:font script="Hant" typeface="新細明體"/>
-        <a:font script="Arab" typeface="Arial"/>
-        <a:font script="Hebr" typeface="Arial"/>
-        <a:font script="Thai" typeface="Cordia New"/>
-        <a:font script="Ethi" typeface="Nyala"/>
-        <a:font script="Beng" typeface="Vrinda"/>
-        <a:font script="Gujr" typeface="Shruti"/>
-        <a:font script="Khmr" typeface="DaunPenh"/>
-        <a:font script="Knda" typeface="Tunga"/>
-        <a:font script="Guru" typeface="Raavi"/>
-        <a:font script="Cans" typeface="Euphemia"/>
-        <a:font script="Cher" typeface="Plantagenet Cherokee"/>
-        <a:font script="Yiii" typeface="Microsoft Yi Baiti"/>
-        <a:font script="Tibt" typeface="Microsoft Himalaya"/>
-        <a:font script="Thaa" typeface="MV Boli"/>
-        <a:font script="Deva" typeface="Mangal"/>
-        <a:font script="Telu" typeface="Gautami"/>
-        <a:font script="Taml" typeface="Latha"/>
-        <a:font script="Syrc" typeface="Estrangelo Edessa"/>
-        <a:font script="Orya" typeface="Kalinga"/>
-        <a:font script="Mlym" typeface="Kartika"/>
-        <a:font script="Laoo" typeface="DokChampa"/>
-        <a:font script="Sinh" typeface="Iskoola Pota"/>
-        <a:font script="Mong" typeface="Mongolian Baiti"/>
-        <a:font script="Viet" typeface="Arial"/>
-        <a:font script="Uigh" typeface="Microsoft Uighur"/>
-        <a:font script="Geor" typeface="Sylfaen"/>
-      </a:minorFont>
-    </a:fontScheme>
-    <a:fmtScheme name="Office">
-      <a:fillStyleLst>
-        <a:solidFill>
-          <a:schemeClr val="phClr"/>
-        </a:solidFill>
-        <a:gradFill rotWithShape="1">
-          <a:gsLst>
-            <a:gs pos="0">
-              <a:schemeClr val="phClr">
-                <a:tint val="50000"/>
-                <a:satMod val="300000"/>
-              </a:schemeClr>
-            </a:gs>
-            <a:gs pos="35000">
-              <a:schemeClr val="phClr">
-                <a:tint val="37000"/>
-                <a:satMod val="300000"/>
-              </a:schemeClr>
-            </a:gs>
-            <a:gs pos="100000">
-              <a:schemeClr val="phClr">
-                <a:tint val="15000"/>
-                <a:satMod val="350000"/>
-              </a:schemeClr>
-            </a:gs>
-          </a:gsLst>
-          <a:lin ang="16200000" scaled="1"/>
-        </a:gradFill>
-        <a:gradFill rotWithShape="1">
-          <a:gsLst>
-            <a:gs pos="0">
-              <a:schemeClr val="phClr">
-                <a:tint val="100000"/>
-                <a:shade val="100000"/>
-                <a:satMod val="130000"/>
-              </a:schemeClr>
-            </a:gs>
-            <a:gs pos="100000">
-              <a:schemeClr val="phClr">
-                <a:tint val="50000"/>
-                <a:shade val="100000"/>
-                <a:satMod val="350000"/>
-              </a:schemeClr>
-            </a:gs>
-          </a:gsLst>
-          <a:lin ang="16200000" scaled="0"/>
-        </a:gradFill>
-      </a:fillStyleLst>
-      <a:lnStyleLst>
-        <a:ln w="9525" cap="flat" cmpd="sng" algn="ctr">
-          <a:solidFill>
-            <a:schemeClr val="phClr">
-              <a:shade val="95000"/>
-              <a:satMod val="105000"/>
-            </a:schemeClr>
-          </a:solidFill>
-          <a:prstDash val="solid"/>
-        </a:ln>
-        <a:ln w="25400" cap="flat" cmpd="sng" algn="ctr">
-          <a:solidFill>
-            <a:schemeClr val="phClr"/>
-          </a:solidFill>
-          <a:prstDash val="solid"/>
-        </a:ln>
-        <a:ln w="38100" cap="flat" cmpd="sng" algn="ctr">
-          <a:solidFill>
-            <a:schemeClr val="phClr"/>
-          </a:solidFill>
-          <a:prstDash val="solid"/>
-        </a:ln>
-      </a:lnStyleLst>
-      <a:effectStyleLst>
-        <a:effectStyle>
-          <a:effectLst>
-            <a:outerShdw blurRad="40000" dist="20000" dir="5400000" rotWithShape="0">
-              <a:srgbClr val="000000">
-                <a:alpha val="38000"/>
-              </a:srgbClr>
-            </a:outerShdw>
-          </a:effectLst>
-        </a:effectStyle>
-        <a:effectStyle>
-          <a:effectLst>
-            <a:outerShdw blurRad="40000" dist="23000" dir="5400000" rotWithShape="0">
-              <a:srgbClr val="000000">
-                <a:alpha val="35000"/>
-              </a:srgbClr>
-            </a:outerShdw>
-          </a:effectLst>
-        </a:effectStyle>
-        <a:effectStyle>
-          <a:effectLst>
-            <a:outerShdw blurRad="40000" dist="23000" dir="5400000" rotWithShape="0">
-              <a:srgbClr val="000000">
-                <a:alpha val="35000"/>
-              </a:srgbClr>
-            </a:outerShdw>
-          </a:effectLst>
-          <a:scene3d>
-            <a:camera prst="orthographicFront">
-              <a:rot lat="0" lon="0" rev="0"/>
-            </a:camera>
-            <a:lightRig rig="threePt" dir="t">
-              <a:rot lat="0" lon="0" rev="1200000"/>
-            </a:lightRig>
-          </a:scene3d>
-          <a:sp3d>
-            <a:bevelT w="63500" h="25400"/>
-          </a:sp3d>
-        </a:effectStyle>
-      </a:effectStyleLst>
-      <a:bgFillStyleLst>
-        <a:solidFill>
-          <a:schemeClr val="phClr"/>
-        </a:solidFill>
-        <a:gradFill rotWithShape="1">
-          <a:gsLst>
-            <a:gs pos="0">
-              <a:schemeClr val="phClr">
-                <a:tint val="40000"/>
-                <a:satMod val="350000"/>
-              </a:schemeClr>
-            </a:gs>
-            <a:gs pos="40000">
-              <a:schemeClr val="phClr">
-                <a:tint val="45000"/>
-                <a:shade val="99000"/>
-                <a:satMod val="350000"/>
-              </a:schemeClr>
-            </a:gs>
-            <a:gs pos="100000">
-              <a:schemeClr val="phClr">
-                <a:shade val="20000"/>
-                <a:satMod val="255000"/>
-              </a:schemeClr>
-            </a:gs>
-          </a:gsLst>
-          <a:path path="circle">
-            <a:fillToRect l="50000" t="-80000" r="50000" b="180000"/>
-          </a:path>
-        </a:gradFill>
-        <a:gradFill rotWithShape="1">
-          <a:gsLst>
-            <a:gs pos="0">
-              <a:schemeClr val="phClr">
-                <a:tint val="80000"/>
-                <a:satMod val="300000"/>
-              </a:schemeClr>
-            </a:gs>
-            <a:gs pos="100000">
-              <a:schemeClr val="phClr">
-                <a:shade val="30000"/>
-                <a:satMod val="200000"/>
-              </a:schemeClr>
-            </a:gs>
-          </a:gsLst>
-          <a:path path="circle">
-            <a:fillToRect l="50000" t="50000" r="50000" b="50000"/>
-          </a:path>
-        </a:gradFill>
-      </a:bgFillStyleLst>
-    </a:fmtScheme>
-  </a:themeElements>
-</a:theme>
 </file>